--- a/reports/report2/Architecture_Diagram.pptx
+++ b/reports/report2/Architecture_Diagram.pptx
@@ -104,6 +104,11 @@
       </a:defRPr>
     </a:lvl9pPr>
   </p:defaultTextStyle>
+  <p:extLst>
+    <p:ext uri="{EFAFB233-063F-42B5-8137-9DF3F51BA10A}">
+      <p15:sldGuideLst xmlns:p15="http://schemas.microsoft.com/office/powerpoint/2012/main"/>
+    </p:ext>
+  </p:extLst>
 </p:presentation>
 </file>
 
@@ -120,12 +125,12 @@
   <pc:docChgLst>
     <pc:chgData name="Jan Haas" userId="b12d44271bc99885" providerId="LiveId" clId="{710A56C8-67C8-4EB2-B06C-33663206202E}"/>
     <pc:docChg chg="undo custSel modSld">
-      <pc:chgData name="Jan Haas" userId="b12d44271bc99885" providerId="LiveId" clId="{710A56C8-67C8-4EB2-B06C-33663206202E}" dt="2021-11-28T14:29:43.605" v="270" actId="1076"/>
+      <pc:chgData name="Jan Haas" userId="b12d44271bc99885" providerId="LiveId" clId="{710A56C8-67C8-4EB2-B06C-33663206202E}" dt="2022-01-12T14:34:52.774" v="328" actId="1076"/>
       <pc:docMkLst>
         <pc:docMk/>
       </pc:docMkLst>
       <pc:sldChg chg="addSp delSp modSp mod">
-        <pc:chgData name="Jan Haas" userId="b12d44271bc99885" providerId="LiveId" clId="{710A56C8-67C8-4EB2-B06C-33663206202E}" dt="2021-11-28T14:29:43.605" v="270" actId="1076"/>
+        <pc:chgData name="Jan Haas" userId="b12d44271bc99885" providerId="LiveId" clId="{710A56C8-67C8-4EB2-B06C-33663206202E}" dt="2022-01-12T14:34:52.774" v="328" actId="1076"/>
         <pc:sldMkLst>
           <pc:docMk/>
           <pc:sldMk cId="327007724" sldId="256"/>
@@ -163,7 +168,7 @@
           </ac:spMkLst>
         </pc:spChg>
         <pc:spChg chg="mod">
-          <ac:chgData name="Jan Haas" userId="b12d44271bc99885" providerId="LiveId" clId="{710A56C8-67C8-4EB2-B06C-33663206202E}" dt="2021-11-28T14:27:36.205" v="243" actId="1076"/>
+          <ac:chgData name="Jan Haas" userId="b12d44271bc99885" providerId="LiveId" clId="{710A56C8-67C8-4EB2-B06C-33663206202E}" dt="2022-01-12T14:34:52.774" v="328" actId="1076"/>
           <ac:spMkLst>
             <pc:docMk/>
             <pc:sldMk cId="327007724" sldId="256"/>
@@ -187,7 +192,7 @@
           </ac:spMkLst>
         </pc:spChg>
         <pc:spChg chg="add mod">
-          <ac:chgData name="Jan Haas" userId="b12d44271bc99885" providerId="LiveId" clId="{710A56C8-67C8-4EB2-B06C-33663206202E}" dt="2021-11-28T14:05:39.702" v="218" actId="1076"/>
+          <ac:chgData name="Jan Haas" userId="b12d44271bc99885" providerId="LiveId" clId="{710A56C8-67C8-4EB2-B06C-33663206202E}" dt="2022-01-12T14:33:57.618" v="300" actId="1038"/>
           <ac:spMkLst>
             <pc:docMk/>
             <pc:sldMk cId="327007724" sldId="256"/>
@@ -195,7 +200,7 @@
           </ac:spMkLst>
         </pc:spChg>
         <pc:spChg chg="add mod">
-          <ac:chgData name="Jan Haas" userId="b12d44271bc99885" providerId="LiveId" clId="{710A56C8-67C8-4EB2-B06C-33663206202E}" dt="2021-11-28T14:05:39.702" v="218" actId="1076"/>
+          <ac:chgData name="Jan Haas" userId="b12d44271bc99885" providerId="LiveId" clId="{710A56C8-67C8-4EB2-B06C-33663206202E}" dt="2022-01-12T14:33:52.828" v="298" actId="1038"/>
           <ac:spMkLst>
             <pc:docMk/>
             <pc:sldMk cId="327007724" sldId="256"/>
@@ -571,7 +576,7 @@
           <a:p>
             <a:fld id="{CAF1D50F-7B80-4DEA-8808-3DFE2EEA7560}" type="datetimeFigureOut">
               <a:rPr lang="en-US" smtClean="0"/>
-              <a:t>11/28/2021</a:t>
+              <a:t>1/12/2022</a:t>
             </a:fld>
             <a:endParaRPr lang="en-US"/>
           </a:p>
@@ -769,7 +774,7 @@
           <a:p>
             <a:fld id="{CAF1D50F-7B80-4DEA-8808-3DFE2EEA7560}" type="datetimeFigureOut">
               <a:rPr lang="en-US" smtClean="0"/>
-              <a:t>11/28/2021</a:t>
+              <a:t>1/12/2022</a:t>
             </a:fld>
             <a:endParaRPr lang="en-US"/>
           </a:p>
@@ -977,7 +982,7 @@
           <a:p>
             <a:fld id="{CAF1D50F-7B80-4DEA-8808-3DFE2EEA7560}" type="datetimeFigureOut">
               <a:rPr lang="en-US" smtClean="0"/>
-              <a:t>11/28/2021</a:t>
+              <a:t>1/12/2022</a:t>
             </a:fld>
             <a:endParaRPr lang="en-US"/>
           </a:p>
@@ -1175,7 +1180,7 @@
           <a:p>
             <a:fld id="{CAF1D50F-7B80-4DEA-8808-3DFE2EEA7560}" type="datetimeFigureOut">
               <a:rPr lang="en-US" smtClean="0"/>
-              <a:t>11/28/2021</a:t>
+              <a:t>1/12/2022</a:t>
             </a:fld>
             <a:endParaRPr lang="en-US"/>
           </a:p>
@@ -1450,7 +1455,7 @@
           <a:p>
             <a:fld id="{CAF1D50F-7B80-4DEA-8808-3DFE2EEA7560}" type="datetimeFigureOut">
               <a:rPr lang="en-US" smtClean="0"/>
-              <a:t>11/28/2021</a:t>
+              <a:t>1/12/2022</a:t>
             </a:fld>
             <a:endParaRPr lang="en-US"/>
           </a:p>
@@ -1715,7 +1720,7 @@
           <a:p>
             <a:fld id="{CAF1D50F-7B80-4DEA-8808-3DFE2EEA7560}" type="datetimeFigureOut">
               <a:rPr lang="en-US" smtClean="0"/>
-              <a:t>11/28/2021</a:t>
+              <a:t>1/12/2022</a:t>
             </a:fld>
             <a:endParaRPr lang="en-US"/>
           </a:p>
@@ -2127,7 +2132,7 @@
           <a:p>
             <a:fld id="{CAF1D50F-7B80-4DEA-8808-3DFE2EEA7560}" type="datetimeFigureOut">
               <a:rPr lang="en-US" smtClean="0"/>
-              <a:t>11/28/2021</a:t>
+              <a:t>1/12/2022</a:t>
             </a:fld>
             <a:endParaRPr lang="en-US"/>
           </a:p>
@@ -2268,7 +2273,7 @@
           <a:p>
             <a:fld id="{CAF1D50F-7B80-4DEA-8808-3DFE2EEA7560}" type="datetimeFigureOut">
               <a:rPr lang="en-US" smtClean="0"/>
-              <a:t>11/28/2021</a:t>
+              <a:t>1/12/2022</a:t>
             </a:fld>
             <a:endParaRPr lang="en-US"/>
           </a:p>
@@ -2381,7 +2386,7 @@
           <a:p>
             <a:fld id="{CAF1D50F-7B80-4DEA-8808-3DFE2EEA7560}" type="datetimeFigureOut">
               <a:rPr lang="en-US" smtClean="0"/>
-              <a:t>11/28/2021</a:t>
+              <a:t>1/12/2022</a:t>
             </a:fld>
             <a:endParaRPr lang="en-US"/>
           </a:p>
@@ -2692,7 +2697,7 @@
           <a:p>
             <a:fld id="{CAF1D50F-7B80-4DEA-8808-3DFE2EEA7560}" type="datetimeFigureOut">
               <a:rPr lang="en-US" smtClean="0"/>
-              <a:t>11/28/2021</a:t>
+              <a:t>1/12/2022</a:t>
             </a:fld>
             <a:endParaRPr lang="en-US"/>
           </a:p>
@@ -2980,7 +2985,7 @@
           <a:p>
             <a:fld id="{CAF1D50F-7B80-4DEA-8808-3DFE2EEA7560}" type="datetimeFigureOut">
               <a:rPr lang="en-US" smtClean="0"/>
-              <a:t>11/28/2021</a:t>
+              <a:t>1/12/2022</a:t>
             </a:fld>
             <a:endParaRPr lang="en-US"/>
           </a:p>
@@ -3221,7 +3226,7 @@
           <a:p>
             <a:fld id="{CAF1D50F-7B80-4DEA-8808-3DFE2EEA7560}" type="datetimeFigureOut">
               <a:rPr lang="en-US" smtClean="0"/>
-              <a:t>11/28/2021</a:t>
+              <a:t>1/12/2022</a:t>
             </a:fld>
             <a:endParaRPr lang="en-US"/>
           </a:p>
@@ -4667,8 +4672,8 @@
         </p:nvSpPr>
         <p:spPr>
           <a:xfrm>
-            <a:off x="4313371" y="912141"/>
-            <a:ext cx="859318" cy="523220"/>
+            <a:off x="4255568" y="895365"/>
+            <a:ext cx="859318" cy="738664"/>
           </a:xfrm>
           <a:prstGeom prst="rect">
             <a:avLst/>
@@ -4684,7 +4689,7 @@
             <a:pPr algn="r"/>
             <a:r>
               <a:rPr lang="en-US" sz="1400" dirty="0"/>
-              <a:t>Entry Request</a:t>
+              <a:t>Lock Entries Number</a:t>
             </a:r>
           </a:p>
         </p:txBody>
@@ -4912,7 +4917,7 @@
         </p:nvSpPr>
         <p:spPr>
           <a:xfrm>
-            <a:off x="2429825" y="5671312"/>
+            <a:off x="2448113" y="5671312"/>
             <a:ext cx="1162228" cy="338554"/>
           </a:xfrm>
           <a:prstGeom prst="rect">
@@ -4994,8 +4999,8 @@
         </p:nvSpPr>
         <p:spPr>
           <a:xfrm>
-            <a:off x="553863" y="5949328"/>
-            <a:ext cx="3038190" cy="338554"/>
+            <a:off x="755031" y="5949328"/>
+            <a:ext cx="2939145" cy="338554"/>
           </a:xfrm>
           <a:prstGeom prst="rect">
             <a:avLst/>
@@ -5010,7 +5015,7 @@
           <a:p>
             <a:r>
               <a:rPr lang="en-US" sz="1600" dirty="0"/>
-              <a:t>Reliable Causal Ordering Multicast</a:t>
+              <a:t>Reliable Total Ordering Multicast</a:t>
             </a:r>
           </a:p>
         </p:txBody>

--- a/reports/report2/Architecture_Diagram.pptx
+++ b/reports/report2/Architecture_Diagram.pptx
@@ -125,12 +125,12 @@
   <pc:docChgLst>
     <pc:chgData name="Jan Haas" userId="b12d44271bc99885" providerId="LiveId" clId="{710A56C8-67C8-4EB2-B06C-33663206202E}"/>
     <pc:docChg chg="undo custSel modSld">
-      <pc:chgData name="Jan Haas" userId="b12d44271bc99885" providerId="LiveId" clId="{710A56C8-67C8-4EB2-B06C-33663206202E}" dt="2022-01-12T14:34:52.774" v="328" actId="1076"/>
+      <pc:chgData name="Jan Haas" userId="b12d44271bc99885" providerId="LiveId" clId="{710A56C8-67C8-4EB2-B06C-33663206202E}" dt="2022-01-12T16:30:01.283" v="360" actId="692"/>
       <pc:docMkLst>
         <pc:docMk/>
       </pc:docMkLst>
       <pc:sldChg chg="addSp delSp modSp mod">
-        <pc:chgData name="Jan Haas" userId="b12d44271bc99885" providerId="LiveId" clId="{710A56C8-67C8-4EB2-B06C-33663206202E}" dt="2022-01-12T14:34:52.774" v="328" actId="1076"/>
+        <pc:chgData name="Jan Haas" userId="b12d44271bc99885" providerId="LiveId" clId="{710A56C8-67C8-4EB2-B06C-33663206202E}" dt="2022-01-12T16:30:01.283" v="360" actId="692"/>
         <pc:sldMkLst>
           <pc:docMk/>
           <pc:sldMk cId="327007724" sldId="256"/>
@@ -152,7 +152,7 @@
           </ac:spMkLst>
         </pc:spChg>
         <pc:spChg chg="mod">
-          <ac:chgData name="Jan Haas" userId="b12d44271bc99885" providerId="LiveId" clId="{710A56C8-67C8-4EB2-B06C-33663206202E}" dt="2021-11-28T14:29:43.605" v="270" actId="1076"/>
+          <ac:chgData name="Jan Haas" userId="b12d44271bc99885" providerId="LiveId" clId="{710A56C8-67C8-4EB2-B06C-33663206202E}" dt="2022-01-12T16:29:33.649" v="359" actId="20577"/>
           <ac:spMkLst>
             <pc:docMk/>
             <pc:sldMk cId="327007724" sldId="256"/>
@@ -168,7 +168,7 @@
           </ac:spMkLst>
         </pc:spChg>
         <pc:spChg chg="mod">
-          <ac:chgData name="Jan Haas" userId="b12d44271bc99885" providerId="LiveId" clId="{710A56C8-67C8-4EB2-B06C-33663206202E}" dt="2022-01-12T14:34:52.774" v="328" actId="1076"/>
+          <ac:chgData name="Jan Haas" userId="b12d44271bc99885" providerId="LiveId" clId="{710A56C8-67C8-4EB2-B06C-33663206202E}" dt="2022-01-12T16:29:07.460" v="355" actId="1076"/>
           <ac:spMkLst>
             <pc:docMk/>
             <pc:sldMk cId="327007724" sldId="256"/>
@@ -176,15 +176,15 @@
           </ac:spMkLst>
         </pc:spChg>
         <pc:spChg chg="mod">
-          <ac:chgData name="Jan Haas" userId="b12d44271bc99885" providerId="LiveId" clId="{710A56C8-67C8-4EB2-B06C-33663206202E}" dt="2021-11-28T14:06:33.526" v="220" actId="1076"/>
+          <ac:chgData name="Jan Haas" userId="b12d44271bc99885" providerId="LiveId" clId="{710A56C8-67C8-4EB2-B06C-33663206202E}" dt="2022-01-12T16:28:31.399" v="346" actId="14100"/>
           <ac:spMkLst>
             <pc:docMk/>
             <pc:sldMk cId="327007724" sldId="256"/>
             <ac:spMk id="55" creationId="{B516B4CC-5AC3-4404-A686-15321ED26016}"/>
           </ac:spMkLst>
         </pc:spChg>
-        <pc:spChg chg="mod">
-          <ac:chgData name="Jan Haas" userId="b12d44271bc99885" providerId="LiveId" clId="{710A56C8-67C8-4EB2-B06C-33663206202E}" dt="2021-11-28T14:06:28.662" v="219" actId="1076"/>
+        <pc:spChg chg="del mod">
+          <ac:chgData name="Jan Haas" userId="b12d44271bc99885" providerId="LiveId" clId="{710A56C8-67C8-4EB2-B06C-33663206202E}" dt="2022-01-12T16:11:30.381" v="329" actId="478"/>
           <ac:spMkLst>
             <pc:docMk/>
             <pc:sldMk cId="327007724" sldId="256"/>
@@ -280,6 +280,14 @@
           </ac:grpSpMkLst>
         </pc:grpChg>
         <pc:cxnChg chg="mod">
+          <ac:chgData name="Jan Haas" userId="b12d44271bc99885" providerId="LiveId" clId="{710A56C8-67C8-4EB2-B06C-33663206202E}" dt="2022-01-12T16:30:01.283" v="360" actId="692"/>
+          <ac:cxnSpMkLst>
+            <pc:docMk/>
+            <pc:sldMk cId="327007724" sldId="256"/>
+            <ac:cxnSpMk id="13" creationId="{87D409EB-951F-4C27-940B-213491039F16}"/>
+          </ac:cxnSpMkLst>
+        </pc:cxnChg>
+        <pc:cxnChg chg="mod">
           <ac:chgData name="Jan Haas" userId="b12d44271bc99885" providerId="LiveId" clId="{710A56C8-67C8-4EB2-B06C-33663206202E}" dt="2021-11-28T14:23:33.403" v="228"/>
           <ac:cxnSpMkLst>
             <pc:docMk/>
@@ -287,8 +295,8 @@
             <ac:cxnSpMk id="19" creationId="{9315B025-B26E-42F5-8233-C499270216BA}"/>
           </ac:cxnSpMkLst>
         </pc:cxnChg>
-        <pc:cxnChg chg="mod">
-          <ac:chgData name="Jan Haas" userId="b12d44271bc99885" providerId="LiveId" clId="{710A56C8-67C8-4EB2-B06C-33663206202E}" dt="2021-11-28T14:23:43.810" v="229"/>
+        <pc:cxnChg chg="del mod">
+          <ac:chgData name="Jan Haas" userId="b12d44271bc99885" providerId="LiveId" clId="{710A56C8-67C8-4EB2-B06C-33663206202E}" dt="2022-01-12T16:29:26.489" v="356" actId="478"/>
           <ac:cxnSpMkLst>
             <pc:docMk/>
             <pc:sldMk cId="327007724" sldId="256"/>
@@ -320,15 +328,15 @@
           </ac:cxnSpMkLst>
         </pc:cxnChg>
         <pc:cxnChg chg="mod">
-          <ac:chgData name="Jan Haas" userId="b12d44271bc99885" providerId="LiveId" clId="{710A56C8-67C8-4EB2-B06C-33663206202E}" dt="2021-11-28T14:03:40.485" v="206" actId="14100"/>
+          <ac:chgData name="Jan Haas" userId="b12d44271bc99885" providerId="LiveId" clId="{710A56C8-67C8-4EB2-B06C-33663206202E}" dt="2022-01-12T16:28:13.958" v="332" actId="692"/>
           <ac:cxnSpMkLst>
             <pc:docMk/>
             <pc:sldMk cId="327007724" sldId="256"/>
             <ac:cxnSpMk id="41" creationId="{1808D6B1-6DF2-4849-8C28-97676005EB56}"/>
           </ac:cxnSpMkLst>
         </pc:cxnChg>
-        <pc:cxnChg chg="mod">
-          <ac:chgData name="Jan Haas" userId="b12d44271bc99885" providerId="LiveId" clId="{710A56C8-67C8-4EB2-B06C-33663206202E}" dt="2021-11-28T14:04:03.277" v="211" actId="14100"/>
+        <pc:cxnChg chg="del mod">
+          <ac:chgData name="Jan Haas" userId="b12d44271bc99885" providerId="LiveId" clId="{710A56C8-67C8-4EB2-B06C-33663206202E}" dt="2022-01-12T16:11:31.548" v="330" actId="478"/>
           <ac:cxnSpMkLst>
             <pc:docMk/>
             <pc:sldMk cId="327007724" sldId="256"/>
@@ -3886,7 +3894,7 @@
             <a:solidFill>
               <a:srgbClr val="7030A0"/>
             </a:solidFill>
-            <a:prstDash val="lgDash"/>
+            <a:prstDash val="solid"/>
             <a:tailEnd type="triangle"/>
           </a:ln>
         </p:spPr>
@@ -4087,52 +4095,6 @@
           </a:fontRef>
         </p:style>
       </p:cxnSp>
-      <p:cxnSp>
-        <p:nvCxnSpPr>
-          <p:cNvPr id="20" name="Straight Arrow Connector 19">
-            <a:extLst>
-              <a:ext uri="{FF2B5EF4-FFF2-40B4-BE49-F238E27FC236}">
-                <a16:creationId xmlns:a16="http://schemas.microsoft.com/office/drawing/2014/main" id="{E268053F-2774-4A41-9661-FC68E1A6C641}"/>
-              </a:ext>
-            </a:extLst>
-          </p:cNvPr>
-          <p:cNvCxnSpPr>
-            <a:cxnSpLocks/>
-          </p:cNvCxnSpPr>
-          <p:nvPr/>
-        </p:nvCxnSpPr>
-        <p:spPr>
-          <a:xfrm flipH="1">
-            <a:off x="1106423" y="3856260"/>
-            <a:ext cx="2070010" cy="0"/>
-          </a:xfrm>
-          <a:prstGeom prst="straightConnector1">
-            <a:avLst/>
-          </a:prstGeom>
-          <a:ln w="28575">
-            <a:solidFill>
-              <a:srgbClr val="7030A0"/>
-            </a:solidFill>
-            <a:prstDash val="lgDash"/>
-            <a:headEnd type="triangle" w="med" len="med"/>
-            <a:tailEnd type="none" w="med" len="med"/>
-          </a:ln>
-        </p:spPr>
-        <p:style>
-          <a:lnRef idx="1">
-            <a:schemeClr val="accent1"/>
-          </a:lnRef>
-          <a:fillRef idx="0">
-            <a:schemeClr val="accent1"/>
-          </a:fillRef>
-          <a:effectRef idx="0">
-            <a:schemeClr val="accent1"/>
-          </a:effectRef>
-          <a:fontRef idx="minor">
-            <a:schemeClr val="tx1"/>
-          </a:fontRef>
-        </p:style>
-      </p:cxnSp>
       <p:sp>
         <p:nvSpPr>
           <p:cNvPr id="21" name="TextBox 20">
@@ -4182,7 +4144,7 @@
         </p:nvSpPr>
         <p:spPr>
           <a:xfrm>
-            <a:off x="1620755" y="3844686"/>
+            <a:off x="1574765" y="3789782"/>
             <a:ext cx="1024961" cy="523220"/>
           </a:xfrm>
           <a:prstGeom prst="rect">
@@ -4198,7 +4160,7 @@
           <a:p>
             <a:r>
               <a:rPr lang="en-US" sz="1400" dirty="0"/>
-              <a:t>Ack (acts</a:t>
+              <a:t>(Ack acts</a:t>
             </a:r>
           </a:p>
           <a:p>
@@ -4672,8 +4634,8 @@
         </p:nvSpPr>
         <p:spPr>
           <a:xfrm>
-            <a:off x="4255568" y="895365"/>
-            <a:ext cx="859318" cy="738664"/>
+            <a:off x="5125871" y="704018"/>
+            <a:ext cx="859318" cy="954107"/>
           </a:xfrm>
           <a:prstGeom prst="rect">
             <a:avLst/>
@@ -4689,7 +4651,7 @@
             <a:pPr algn="r"/>
             <a:r>
               <a:rPr lang="en-US" sz="1400" dirty="0"/>
-              <a:t>Lock Entries Number</a:t>
+              <a:t>Lock/ Update Entries Number</a:t>
             </a:r>
           </a:p>
         </p:txBody>
@@ -4722,8 +4684,8 @@
             </a:solidFill>
             <a:prstDash val="solid"/>
             <a:round/>
-            <a:headEnd type="none" w="med" len="med"/>
-            <a:tailEnd type="arrow" w="med" len="med"/>
+            <a:headEnd type="arrow" w="med" len="med"/>
+            <a:tailEnd type="none" w="med" len="med"/>
           </a:ln>
         </p:spPr>
         <p:style>
@@ -4741,51 +4703,6 @@
           </a:fontRef>
         </p:style>
       </p:cxnSp>
-      <p:cxnSp>
-        <p:nvCxnSpPr>
-          <p:cNvPr id="52" name="Straight Arrow Connector 51">
-            <a:extLst>
-              <a:ext uri="{FF2B5EF4-FFF2-40B4-BE49-F238E27FC236}">
-                <a16:creationId xmlns:a16="http://schemas.microsoft.com/office/drawing/2014/main" id="{86AB4D00-CEB7-4F96-8B21-EF9197A820AE}"/>
-              </a:ext>
-            </a:extLst>
-          </p:cNvPr>
-          <p:cNvCxnSpPr>
-            <a:cxnSpLocks/>
-          </p:cNvCxnSpPr>
-          <p:nvPr/>
-        </p:nvCxnSpPr>
-        <p:spPr>
-          <a:xfrm>
-            <a:off x="4019544" y="1880697"/>
-            <a:ext cx="3890433" cy="449543"/>
-          </a:xfrm>
-          <a:prstGeom prst="straightConnector1">
-            <a:avLst/>
-          </a:prstGeom>
-          <a:ln w="28575">
-            <a:solidFill>
-              <a:srgbClr val="7030A0"/>
-            </a:solidFill>
-            <a:prstDash val="lgDash"/>
-            <a:tailEnd type="triangle"/>
-          </a:ln>
-        </p:spPr>
-        <p:style>
-          <a:lnRef idx="1">
-            <a:schemeClr val="accent1"/>
-          </a:lnRef>
-          <a:fillRef idx="0">
-            <a:schemeClr val="accent1"/>
-          </a:fillRef>
-          <a:effectRef idx="0">
-            <a:schemeClr val="accent1"/>
-          </a:effectRef>
-          <a:fontRef idx="minor">
-            <a:schemeClr val="tx1"/>
-          </a:fontRef>
-        </p:style>
-      </p:cxnSp>
       <p:sp>
         <p:nvSpPr>
           <p:cNvPr id="55" name="TextBox 54">
@@ -4801,7 +4718,7 @@
         <p:spPr>
           <a:xfrm>
             <a:off x="5702751" y="1734267"/>
-            <a:ext cx="557783" cy="307777"/>
+            <a:ext cx="926896" cy="307777"/>
           </a:xfrm>
           <a:prstGeom prst="rect">
             <a:avLst/>
@@ -4816,42 +4733,7 @@
           <a:p>
             <a:r>
               <a:rPr lang="en-US" sz="1400" dirty="0"/>
-              <a:t>Ping</a:t>
-            </a:r>
-          </a:p>
-        </p:txBody>
-      </p:sp>
-      <p:sp>
-        <p:nvSpPr>
-          <p:cNvPr id="57" name="TextBox 56">
-            <a:extLst>
-              <a:ext uri="{FF2B5EF4-FFF2-40B4-BE49-F238E27FC236}">
-                <a16:creationId xmlns:a16="http://schemas.microsoft.com/office/drawing/2014/main" id="{86308C05-4681-43F8-A3CE-E06EBAB7384A}"/>
-              </a:ext>
-            </a:extLst>
-          </p:cNvPr>
-          <p:cNvSpPr txBox="1"/>
-          <p:nvPr/>
-        </p:nvSpPr>
-        <p:spPr>
-          <a:xfrm>
-            <a:off x="5496344" y="2081563"/>
-            <a:ext cx="775163" cy="307777"/>
-          </a:xfrm>
-          <a:prstGeom prst="rect">
-            <a:avLst/>
-          </a:prstGeom>
-          <a:noFill/>
-        </p:spPr>
-        <p:txBody>
-          <a:bodyPr wrap="square" rtlCol="0">
-            <a:spAutoFit/>
-          </a:bodyPr>
-          <a:lstStyle/>
-          <a:p>
-            <a:r>
-              <a:rPr lang="en-US" sz="1400" dirty="0"/>
-              <a:t>Life sign</a:t>
+              <a:t>Heartbeat</a:t>
             </a:r>
           </a:p>
         </p:txBody>

--- a/reports/report2/Architecture_Diagram.pptx
+++ b/reports/report2/Architecture_Diagram.pptx
@@ -6,6 +6,7 @@
   </p:sldMasterIdLst>
   <p:sldIdLst>
     <p:sldId id="256" r:id="rId2"/>
+    <p:sldId id="257" r:id="rId3"/>
   </p:sldIdLst>
   <p:sldSz cx="12192000" cy="6858000"/>
   <p:notesSz cx="6858000" cy="9144000"/>
@@ -115,7 +116,7 @@
 <file path=ppt/revisionInfo.xml><?xml version="1.0" encoding="utf-8"?>
 <p1510:revInfo xmlns:a="http://schemas.openxmlformats.org/drawingml/2006/main" xmlns:r="http://schemas.openxmlformats.org/officeDocument/2006/relationships" xmlns:p1510="http://schemas.microsoft.com/office/powerpoint/2015/10/main">
   <p1510:revLst>
-    <p1510:client id="{710A56C8-67C8-4EB2-B06C-33663206202E}" v="19" dt="2021-11-28T14:27:01.117"/>
+    <p1510:client id="{710A56C8-67C8-4EB2-B06C-33663206202E}" v="60" dt="2022-02-09T15:36:57.991"/>
   </p1510:revLst>
 </p1510:revInfo>
 </file>
@@ -124,19 +125,59 @@
 <pc:chgInfo xmlns:a="http://schemas.openxmlformats.org/drawingml/2006/main" xmlns:r="http://schemas.openxmlformats.org/officeDocument/2006/relationships" xmlns:ac="http://schemas.microsoft.com/office/drawing/2013/main/command" xmlns:pc="http://schemas.microsoft.com/office/powerpoint/2013/main/command">
   <pc:docChgLst>
     <pc:chgData name="Jan Haas" userId="b12d44271bc99885" providerId="LiveId" clId="{710A56C8-67C8-4EB2-B06C-33663206202E}"/>
-    <pc:docChg chg="undo custSel modSld">
-      <pc:chgData name="Jan Haas" userId="b12d44271bc99885" providerId="LiveId" clId="{710A56C8-67C8-4EB2-B06C-33663206202E}" dt="2022-01-12T16:30:01.283" v="360" actId="692"/>
+    <pc:docChg chg="undo custSel addSld modSld">
+      <pc:chgData name="Jan Haas" userId="b12d44271bc99885" providerId="LiveId" clId="{710A56C8-67C8-4EB2-B06C-33663206202E}" dt="2022-02-09T15:37:39.724" v="872" actId="255"/>
       <pc:docMkLst>
         <pc:docMk/>
       </pc:docMkLst>
       <pc:sldChg chg="addSp delSp modSp mod">
-        <pc:chgData name="Jan Haas" userId="b12d44271bc99885" providerId="LiveId" clId="{710A56C8-67C8-4EB2-B06C-33663206202E}" dt="2022-01-12T16:30:01.283" v="360" actId="692"/>
+        <pc:chgData name="Jan Haas" userId="b12d44271bc99885" providerId="LiveId" clId="{710A56C8-67C8-4EB2-B06C-33663206202E}" dt="2022-02-09T15:06:36.577" v="391" actId="1076"/>
         <pc:sldMkLst>
           <pc:docMk/>
           <pc:sldMk cId="327007724" sldId="256"/>
         </pc:sldMkLst>
         <pc:spChg chg="mod">
-          <ac:chgData name="Jan Haas" userId="b12d44271bc99885" providerId="LiveId" clId="{710A56C8-67C8-4EB2-B06C-33663206202E}" dt="2021-11-28T14:25:27.423" v="235" actId="1036"/>
+          <ac:chgData name="Jan Haas" userId="b12d44271bc99885" providerId="LiveId" clId="{710A56C8-67C8-4EB2-B06C-33663206202E}" dt="2022-02-08T16:26:17.094" v="370" actId="164"/>
+          <ac:spMkLst>
+            <pc:docMk/>
+            <pc:sldMk cId="327007724" sldId="256"/>
+            <ac:spMk id="4" creationId="{6BD84EAB-5013-4334-9399-32951D34B3CD}"/>
+          </ac:spMkLst>
+        </pc:spChg>
+        <pc:spChg chg="mod">
+          <ac:chgData name="Jan Haas" userId="b12d44271bc99885" providerId="LiveId" clId="{710A56C8-67C8-4EB2-B06C-33663206202E}" dt="2022-02-08T16:26:17.094" v="370" actId="164"/>
+          <ac:spMkLst>
+            <pc:docMk/>
+            <pc:sldMk cId="327007724" sldId="256"/>
+            <ac:spMk id="5" creationId="{D2E2ACD4-609E-4C20-80FE-B062B07D7420}"/>
+          </ac:spMkLst>
+        </pc:spChg>
+        <pc:spChg chg="mod">
+          <ac:chgData name="Jan Haas" userId="b12d44271bc99885" providerId="LiveId" clId="{710A56C8-67C8-4EB2-B06C-33663206202E}" dt="2022-02-08T16:26:17.094" v="370" actId="164"/>
+          <ac:spMkLst>
+            <pc:docMk/>
+            <pc:sldMk cId="327007724" sldId="256"/>
+            <ac:spMk id="7" creationId="{EF65E09D-01B9-457F-BCB8-38F807119665}"/>
+          </ac:spMkLst>
+        </pc:spChg>
+        <pc:spChg chg="mod">
+          <ac:chgData name="Jan Haas" userId="b12d44271bc99885" providerId="LiveId" clId="{710A56C8-67C8-4EB2-B06C-33663206202E}" dt="2022-02-08T16:26:17.094" v="370" actId="164"/>
+          <ac:spMkLst>
+            <pc:docMk/>
+            <pc:sldMk cId="327007724" sldId="256"/>
+            <ac:spMk id="8" creationId="{0ECBC4DB-4422-485B-86F3-18C36E42B72E}"/>
+          </ac:spMkLst>
+        </pc:spChg>
+        <pc:spChg chg="mod">
+          <ac:chgData name="Jan Haas" userId="b12d44271bc99885" providerId="LiveId" clId="{710A56C8-67C8-4EB2-B06C-33663206202E}" dt="2022-02-08T16:26:17.094" v="370" actId="164"/>
+          <ac:spMkLst>
+            <pc:docMk/>
+            <pc:sldMk cId="327007724" sldId="256"/>
+            <ac:spMk id="11" creationId="{BF8742C8-B1E6-45B9-A42C-4B6A03843097}"/>
+          </ac:spMkLst>
+        </pc:spChg>
+        <pc:spChg chg="mod">
+          <ac:chgData name="Jan Haas" userId="b12d44271bc99885" providerId="LiveId" clId="{710A56C8-67C8-4EB2-B06C-33663206202E}" dt="2022-02-08T16:26:17.094" v="370" actId="164"/>
           <ac:spMkLst>
             <pc:docMk/>
             <pc:sldMk cId="327007724" sldId="256"/>
@@ -144,7 +185,31 @@
           </ac:spMkLst>
         </pc:spChg>
         <pc:spChg chg="mod">
-          <ac:chgData name="Jan Haas" userId="b12d44271bc99885" providerId="LiveId" clId="{710A56C8-67C8-4EB2-B06C-33663206202E}" dt="2021-11-28T14:23:21.791" v="227" actId="20577"/>
+          <ac:chgData name="Jan Haas" userId="b12d44271bc99885" providerId="LiveId" clId="{710A56C8-67C8-4EB2-B06C-33663206202E}" dt="2022-02-08T16:26:17.094" v="370" actId="164"/>
+          <ac:spMkLst>
+            <pc:docMk/>
+            <pc:sldMk cId="327007724" sldId="256"/>
+            <ac:spMk id="16" creationId="{3F806603-4932-45F4-A142-09A41B6F4593}"/>
+          </ac:spMkLst>
+        </pc:spChg>
+        <pc:spChg chg="mod">
+          <ac:chgData name="Jan Haas" userId="b12d44271bc99885" providerId="LiveId" clId="{710A56C8-67C8-4EB2-B06C-33663206202E}" dt="2022-02-08T16:26:17.094" v="370" actId="164"/>
+          <ac:spMkLst>
+            <pc:docMk/>
+            <pc:sldMk cId="327007724" sldId="256"/>
+            <ac:spMk id="17" creationId="{3DC77B55-1000-42E7-ADA6-62F92F4195BB}"/>
+          </ac:spMkLst>
+        </pc:spChg>
+        <pc:spChg chg="mod">
+          <ac:chgData name="Jan Haas" userId="b12d44271bc99885" providerId="LiveId" clId="{710A56C8-67C8-4EB2-B06C-33663206202E}" dt="2022-02-08T16:26:17.094" v="370" actId="164"/>
+          <ac:spMkLst>
+            <pc:docMk/>
+            <pc:sldMk cId="327007724" sldId="256"/>
+            <ac:spMk id="18" creationId="{5A5F2055-AA3B-41F0-BA55-94A1B4F4BCB0}"/>
+          </ac:spMkLst>
+        </pc:spChg>
+        <pc:spChg chg="mod">
+          <ac:chgData name="Jan Haas" userId="b12d44271bc99885" providerId="LiveId" clId="{710A56C8-67C8-4EB2-B06C-33663206202E}" dt="2022-02-08T16:26:17.094" v="370" actId="164"/>
           <ac:spMkLst>
             <pc:docMk/>
             <pc:sldMk cId="327007724" sldId="256"/>
@@ -152,7 +217,7 @@
           </ac:spMkLst>
         </pc:spChg>
         <pc:spChg chg="mod">
-          <ac:chgData name="Jan Haas" userId="b12d44271bc99885" providerId="LiveId" clId="{710A56C8-67C8-4EB2-B06C-33663206202E}" dt="2022-01-12T16:29:33.649" v="359" actId="20577"/>
+          <ac:chgData name="Jan Haas" userId="b12d44271bc99885" providerId="LiveId" clId="{710A56C8-67C8-4EB2-B06C-33663206202E}" dt="2022-02-08T16:26:17.094" v="370" actId="164"/>
           <ac:spMkLst>
             <pc:docMk/>
             <pc:sldMk cId="327007724" sldId="256"/>
@@ -160,7 +225,31 @@
           </ac:spMkLst>
         </pc:spChg>
         <pc:spChg chg="mod">
-          <ac:chgData name="Jan Haas" userId="b12d44271bc99885" providerId="LiveId" clId="{710A56C8-67C8-4EB2-B06C-33663206202E}" dt="2021-11-28T14:11:38.560" v="222" actId="6549"/>
+          <ac:chgData name="Jan Haas" userId="b12d44271bc99885" providerId="LiveId" clId="{710A56C8-67C8-4EB2-B06C-33663206202E}" dt="2022-02-08T16:26:17.094" v="370" actId="164"/>
+          <ac:spMkLst>
+            <pc:docMk/>
+            <pc:sldMk cId="327007724" sldId="256"/>
+            <ac:spMk id="23" creationId="{6A3EF75B-A557-4FC5-84AF-3FCB62691A20}"/>
+          </ac:spMkLst>
+        </pc:spChg>
+        <pc:spChg chg="mod">
+          <ac:chgData name="Jan Haas" userId="b12d44271bc99885" providerId="LiveId" clId="{710A56C8-67C8-4EB2-B06C-33663206202E}" dt="2022-02-08T16:26:17.094" v="370" actId="164"/>
+          <ac:spMkLst>
+            <pc:docMk/>
+            <pc:sldMk cId="327007724" sldId="256"/>
+            <ac:spMk id="24" creationId="{7D74A7D9-6F05-4F07-8F43-76F457EEF630}"/>
+          </ac:spMkLst>
+        </pc:spChg>
+        <pc:spChg chg="mod">
+          <ac:chgData name="Jan Haas" userId="b12d44271bc99885" providerId="LiveId" clId="{710A56C8-67C8-4EB2-B06C-33663206202E}" dt="2022-02-08T16:26:17.094" v="370" actId="164"/>
+          <ac:spMkLst>
+            <pc:docMk/>
+            <pc:sldMk cId="327007724" sldId="256"/>
+            <ac:spMk id="25" creationId="{46B51B64-8A67-44FE-BA67-29429EE632A6}"/>
+          </ac:spMkLst>
+        </pc:spChg>
+        <pc:spChg chg="mod">
+          <ac:chgData name="Jan Haas" userId="b12d44271bc99885" providerId="LiveId" clId="{710A56C8-67C8-4EB2-B06C-33663206202E}" dt="2022-02-08T16:26:17.094" v="370" actId="164"/>
           <ac:spMkLst>
             <pc:docMk/>
             <pc:sldMk cId="327007724" sldId="256"/>
@@ -168,7 +257,15 @@
           </ac:spMkLst>
         </pc:spChg>
         <pc:spChg chg="mod">
-          <ac:chgData name="Jan Haas" userId="b12d44271bc99885" providerId="LiveId" clId="{710A56C8-67C8-4EB2-B06C-33663206202E}" dt="2022-01-12T16:29:07.460" v="355" actId="1076"/>
+          <ac:chgData name="Jan Haas" userId="b12d44271bc99885" providerId="LiveId" clId="{710A56C8-67C8-4EB2-B06C-33663206202E}" dt="2022-02-08T16:26:17.094" v="370" actId="164"/>
+          <ac:spMkLst>
+            <pc:docMk/>
+            <pc:sldMk cId="327007724" sldId="256"/>
+            <ac:spMk id="29" creationId="{72ABE03F-9D2D-44E5-B743-4C5D26A6FC75}"/>
+          </ac:spMkLst>
+        </pc:spChg>
+        <pc:spChg chg="mod">
+          <ac:chgData name="Jan Haas" userId="b12d44271bc99885" providerId="LiveId" clId="{710A56C8-67C8-4EB2-B06C-33663206202E}" dt="2022-02-08T16:26:17.094" v="370" actId="164"/>
           <ac:spMkLst>
             <pc:docMk/>
             <pc:sldMk cId="327007724" sldId="256"/>
@@ -176,7 +273,7 @@
           </ac:spMkLst>
         </pc:spChg>
         <pc:spChg chg="mod">
-          <ac:chgData name="Jan Haas" userId="b12d44271bc99885" providerId="LiveId" clId="{710A56C8-67C8-4EB2-B06C-33663206202E}" dt="2022-01-12T16:28:31.399" v="346" actId="14100"/>
+          <ac:chgData name="Jan Haas" userId="b12d44271bc99885" providerId="LiveId" clId="{710A56C8-67C8-4EB2-B06C-33663206202E}" dt="2022-02-08T16:26:17.094" v="370" actId="164"/>
           <ac:spMkLst>
             <pc:docMk/>
             <pc:sldMk cId="327007724" sldId="256"/>
@@ -208,7 +305,7 @@
           </ac:spMkLst>
         </pc:spChg>
         <pc:spChg chg="mod">
-          <ac:chgData name="Jan Haas" userId="b12d44271bc99885" providerId="LiveId" clId="{710A56C8-67C8-4EB2-B06C-33663206202E}" dt="2021-11-28T13:48:43.195" v="42"/>
+          <ac:chgData name="Jan Haas" userId="b12d44271bc99885" providerId="LiveId" clId="{710A56C8-67C8-4EB2-B06C-33663206202E}" dt="2022-02-08T16:26:17.094" v="370" actId="164"/>
           <ac:spMkLst>
             <pc:docMk/>
             <pc:sldMk cId="327007724" sldId="256"/>
@@ -216,7 +313,7 @@
           </ac:spMkLst>
         </pc:spChg>
         <pc:spChg chg="mod">
-          <ac:chgData name="Jan Haas" userId="b12d44271bc99885" providerId="LiveId" clId="{710A56C8-67C8-4EB2-B06C-33663206202E}" dt="2021-11-28T13:52:25.438" v="80" actId="1076"/>
+          <ac:chgData name="Jan Haas" userId="b12d44271bc99885" providerId="LiveId" clId="{710A56C8-67C8-4EB2-B06C-33663206202E}" dt="2022-02-08T16:26:17.094" v="370" actId="164"/>
           <ac:spMkLst>
             <pc:docMk/>
             <pc:sldMk cId="327007724" sldId="256"/>
@@ -224,7 +321,7 @@
           </ac:spMkLst>
         </pc:spChg>
         <pc:spChg chg="add mod">
-          <ac:chgData name="Jan Haas" userId="b12d44271bc99885" providerId="LiveId" clId="{710A56C8-67C8-4EB2-B06C-33663206202E}" dt="2021-11-28T13:50:59.844" v="61" actId="14100"/>
+          <ac:chgData name="Jan Haas" userId="b12d44271bc99885" providerId="LiveId" clId="{710A56C8-67C8-4EB2-B06C-33663206202E}" dt="2022-02-08T16:26:17.094" v="370" actId="164"/>
           <ac:spMkLst>
             <pc:docMk/>
             <pc:sldMk cId="327007724" sldId="256"/>
@@ -232,7 +329,7 @@
           </ac:spMkLst>
         </pc:spChg>
         <pc:spChg chg="add mod">
-          <ac:chgData name="Jan Haas" userId="b12d44271bc99885" providerId="LiveId" clId="{710A56C8-67C8-4EB2-B06C-33663206202E}" dt="2021-11-28T13:51:13.194" v="70" actId="1076"/>
+          <ac:chgData name="Jan Haas" userId="b12d44271bc99885" providerId="LiveId" clId="{710A56C8-67C8-4EB2-B06C-33663206202E}" dt="2022-02-08T16:26:17.094" v="370" actId="164"/>
           <ac:spMkLst>
             <pc:docMk/>
             <pc:sldMk cId="327007724" sldId="256"/>
@@ -240,7 +337,7 @@
           </ac:spMkLst>
         </pc:spChg>
         <pc:spChg chg="add mod">
-          <ac:chgData name="Jan Haas" userId="b12d44271bc99885" providerId="LiveId" clId="{710A56C8-67C8-4EB2-B06C-33663206202E}" dt="2021-11-28T14:00:44.231" v="158" actId="1076"/>
+          <ac:chgData name="Jan Haas" userId="b12d44271bc99885" providerId="LiveId" clId="{710A56C8-67C8-4EB2-B06C-33663206202E}" dt="2022-02-08T16:26:17.094" v="370" actId="164"/>
           <ac:spMkLst>
             <pc:docMk/>
             <pc:sldMk cId="327007724" sldId="256"/>
@@ -256,7 +353,7 @@
           </ac:spMkLst>
         </pc:spChg>
         <pc:spChg chg="add mod">
-          <ac:chgData name="Jan Haas" userId="b12d44271bc99885" providerId="LiveId" clId="{710A56C8-67C8-4EB2-B06C-33663206202E}" dt="2021-11-28T14:01:21.551" v="192" actId="1076"/>
+          <ac:chgData name="Jan Haas" userId="b12d44271bc99885" providerId="LiveId" clId="{710A56C8-67C8-4EB2-B06C-33663206202E}" dt="2022-02-08T16:26:17.094" v="370" actId="164"/>
           <ac:spMkLst>
             <pc:docMk/>
             <pc:sldMk cId="327007724" sldId="256"/>
@@ -264,15 +361,55 @@
           </ac:spMkLst>
         </pc:spChg>
         <pc:spChg chg="add mod">
-          <ac:chgData name="Jan Haas" userId="b12d44271bc99885" providerId="LiveId" clId="{710A56C8-67C8-4EB2-B06C-33663206202E}" dt="2021-11-28T14:04:12.614" v="213" actId="1076"/>
+          <ac:chgData name="Jan Haas" userId="b12d44271bc99885" providerId="LiveId" clId="{710A56C8-67C8-4EB2-B06C-33663206202E}" dt="2022-02-08T16:26:17.094" v="370" actId="164"/>
           <ac:spMkLst>
             <pc:docMk/>
             <pc:sldMk cId="327007724" sldId="256"/>
             <ac:spMk id="131" creationId="{9E6216C8-DCE1-44CE-874F-B637321F3A8A}"/>
           </ac:spMkLst>
         </pc:spChg>
+        <pc:grpChg chg="mod">
+          <ac:chgData name="Jan Haas" userId="b12d44271bc99885" providerId="LiveId" clId="{710A56C8-67C8-4EB2-B06C-33663206202E}" dt="2022-02-08T16:26:17.094" v="370" actId="164"/>
+          <ac:grpSpMkLst>
+            <pc:docMk/>
+            <pc:sldMk cId="327007724" sldId="256"/>
+            <ac:grpSpMk id="6" creationId="{8B1ABDCD-09FD-4433-98D7-29C09B7E713A}"/>
+          </ac:grpSpMkLst>
+        </pc:grpChg>
+        <pc:grpChg chg="mod">
+          <ac:chgData name="Jan Haas" userId="b12d44271bc99885" providerId="LiveId" clId="{710A56C8-67C8-4EB2-B06C-33663206202E}" dt="2022-02-09T15:06:36.577" v="391" actId="1076"/>
+          <ac:grpSpMkLst>
+            <pc:docMk/>
+            <pc:sldMk cId="327007724" sldId="256"/>
+            <ac:grpSpMk id="15" creationId="{E8AA3B38-CE12-49D8-AA28-C13281BD826E}"/>
+          </ac:grpSpMkLst>
+        </pc:grpChg>
         <pc:grpChg chg="add mod">
-          <ac:chgData name="Jan Haas" userId="b12d44271bc99885" providerId="LiveId" clId="{710A56C8-67C8-4EB2-B06C-33663206202E}" dt="2021-11-28T13:54:37.481" v="85" actId="1076"/>
+          <ac:chgData name="Jan Haas" userId="b12d44271bc99885" providerId="LiveId" clId="{710A56C8-67C8-4EB2-B06C-33663206202E}" dt="2022-02-08T16:26:17.094" v="370" actId="164"/>
+          <ac:grpSpMkLst>
+            <pc:docMk/>
+            <pc:sldMk cId="327007724" sldId="256"/>
+            <ac:grpSpMk id="39" creationId="{D34CDB48-D772-40FC-AB80-9E9125DD5494}"/>
+          </ac:grpSpMkLst>
+        </pc:grpChg>
+        <pc:grpChg chg="mod">
+          <ac:chgData name="Jan Haas" userId="b12d44271bc99885" providerId="LiveId" clId="{710A56C8-67C8-4EB2-B06C-33663206202E}" dt="2022-02-08T16:26:17.094" v="370" actId="164"/>
+          <ac:grpSpMkLst>
+            <pc:docMk/>
+            <pc:sldMk cId="327007724" sldId="256"/>
+            <ac:grpSpMk id="58" creationId="{E66634CB-F14D-4BFD-B4B6-DDC74AEC4A68}"/>
+          </ac:grpSpMkLst>
+        </pc:grpChg>
+        <pc:grpChg chg="mod">
+          <ac:chgData name="Jan Haas" userId="b12d44271bc99885" providerId="LiveId" clId="{710A56C8-67C8-4EB2-B06C-33663206202E}" dt="2022-02-08T16:26:17.094" v="370" actId="164"/>
+          <ac:grpSpMkLst>
+            <pc:docMk/>
+            <pc:sldMk cId="327007724" sldId="256"/>
+            <ac:grpSpMk id="59" creationId="{1E772E1B-B41D-433E-8448-0B9F5D3DED12}"/>
+          </ac:grpSpMkLst>
+        </pc:grpChg>
+        <pc:grpChg chg="add mod">
+          <ac:chgData name="Jan Haas" userId="b12d44271bc99885" providerId="LiveId" clId="{710A56C8-67C8-4EB2-B06C-33663206202E}" dt="2022-02-08T16:26:17.094" v="370" actId="164"/>
           <ac:grpSpMkLst>
             <pc:docMk/>
             <pc:sldMk cId="327007724" sldId="256"/>
@@ -280,7 +417,15 @@
           </ac:grpSpMkLst>
         </pc:grpChg>
         <pc:cxnChg chg="mod">
-          <ac:chgData name="Jan Haas" userId="b12d44271bc99885" providerId="LiveId" clId="{710A56C8-67C8-4EB2-B06C-33663206202E}" dt="2022-01-12T16:30:01.283" v="360" actId="692"/>
+          <ac:chgData name="Jan Haas" userId="b12d44271bc99885" providerId="LiveId" clId="{710A56C8-67C8-4EB2-B06C-33663206202E}" dt="2022-02-08T16:26:17.094" v="370" actId="164"/>
+          <ac:cxnSpMkLst>
+            <pc:docMk/>
+            <pc:sldMk cId="327007724" sldId="256"/>
+            <ac:cxnSpMk id="10" creationId="{DDBE9063-5CD2-4753-9452-6E3E898A4D4E}"/>
+          </ac:cxnSpMkLst>
+        </pc:cxnChg>
+        <pc:cxnChg chg="mod">
+          <ac:chgData name="Jan Haas" userId="b12d44271bc99885" providerId="LiveId" clId="{710A56C8-67C8-4EB2-B06C-33663206202E}" dt="2022-02-08T16:26:17.094" v="370" actId="164"/>
           <ac:cxnSpMkLst>
             <pc:docMk/>
             <pc:sldMk cId="327007724" sldId="256"/>
@@ -288,7 +433,7 @@
           </ac:cxnSpMkLst>
         </pc:cxnChg>
         <pc:cxnChg chg="mod">
-          <ac:chgData name="Jan Haas" userId="b12d44271bc99885" providerId="LiveId" clId="{710A56C8-67C8-4EB2-B06C-33663206202E}" dt="2021-11-28T14:23:33.403" v="228"/>
+          <ac:chgData name="Jan Haas" userId="b12d44271bc99885" providerId="LiveId" clId="{710A56C8-67C8-4EB2-B06C-33663206202E}" dt="2022-02-08T16:26:17.094" v="370" actId="164"/>
           <ac:cxnSpMkLst>
             <pc:docMk/>
             <pc:sldMk cId="327007724" sldId="256"/>
@@ -304,7 +449,7 @@
           </ac:cxnSpMkLst>
         </pc:cxnChg>
         <pc:cxnChg chg="mod">
-          <ac:chgData name="Jan Haas" userId="b12d44271bc99885" providerId="LiveId" clId="{710A56C8-67C8-4EB2-B06C-33663206202E}" dt="2021-11-28T14:27:13.940" v="239" actId="14100"/>
+          <ac:chgData name="Jan Haas" userId="b12d44271bc99885" providerId="LiveId" clId="{710A56C8-67C8-4EB2-B06C-33663206202E}" dt="2022-02-08T16:26:17.094" v="370" actId="164"/>
           <ac:cxnSpMkLst>
             <pc:docMk/>
             <pc:sldMk cId="327007724" sldId="256"/>
@@ -312,7 +457,7 @@
           </ac:cxnSpMkLst>
         </pc:cxnChg>
         <pc:cxnChg chg="mod">
-          <ac:chgData name="Jan Haas" userId="b12d44271bc99885" providerId="LiveId" clId="{710A56C8-67C8-4EB2-B06C-33663206202E}" dt="2021-11-28T14:05:19.370" v="216" actId="14100"/>
+          <ac:chgData name="Jan Haas" userId="b12d44271bc99885" providerId="LiveId" clId="{710A56C8-67C8-4EB2-B06C-33663206202E}" dt="2022-02-08T16:26:17.094" v="370" actId="164"/>
           <ac:cxnSpMkLst>
             <pc:docMk/>
             <pc:sldMk cId="327007724" sldId="256"/>
@@ -320,7 +465,7 @@
           </ac:cxnSpMkLst>
         </pc:cxnChg>
         <pc:cxnChg chg="mod">
-          <ac:chgData name="Jan Haas" userId="b12d44271bc99885" providerId="LiveId" clId="{710A56C8-67C8-4EB2-B06C-33663206202E}" dt="2021-11-28T14:05:24.635" v="217" actId="14100"/>
+          <ac:chgData name="Jan Haas" userId="b12d44271bc99885" providerId="LiveId" clId="{710A56C8-67C8-4EB2-B06C-33663206202E}" dt="2022-02-08T16:26:17.094" v="370" actId="164"/>
           <ac:cxnSpMkLst>
             <pc:docMk/>
             <pc:sldMk cId="327007724" sldId="256"/>
@@ -328,7 +473,7 @@
           </ac:cxnSpMkLst>
         </pc:cxnChg>
         <pc:cxnChg chg="mod">
-          <ac:chgData name="Jan Haas" userId="b12d44271bc99885" providerId="LiveId" clId="{710A56C8-67C8-4EB2-B06C-33663206202E}" dt="2022-01-12T16:28:13.958" v="332" actId="692"/>
+          <ac:chgData name="Jan Haas" userId="b12d44271bc99885" providerId="LiveId" clId="{710A56C8-67C8-4EB2-B06C-33663206202E}" dt="2022-02-08T16:26:17.094" v="370" actId="164"/>
           <ac:cxnSpMkLst>
             <pc:docMk/>
             <pc:sldMk cId="327007724" sldId="256"/>
@@ -360,7 +505,7 @@
           </ac:cxnSpMkLst>
         </pc:cxnChg>
         <pc:cxnChg chg="add mod">
-          <ac:chgData name="Jan Haas" userId="b12d44271bc99885" providerId="LiveId" clId="{710A56C8-67C8-4EB2-B06C-33663206202E}" dt="2021-11-28T13:57:52.905" v="128" actId="14100"/>
+          <ac:chgData name="Jan Haas" userId="b12d44271bc99885" providerId="LiveId" clId="{710A56C8-67C8-4EB2-B06C-33663206202E}" dt="2022-02-08T16:26:17.094" v="370" actId="164"/>
           <ac:cxnSpMkLst>
             <pc:docMk/>
             <pc:sldMk cId="327007724" sldId="256"/>
@@ -368,7 +513,7 @@
           </ac:cxnSpMkLst>
         </pc:cxnChg>
         <pc:cxnChg chg="add mod">
-          <ac:chgData name="Jan Haas" userId="b12d44271bc99885" providerId="LiveId" clId="{710A56C8-67C8-4EB2-B06C-33663206202E}" dt="2021-11-28T13:55:53.709" v="111" actId="14100"/>
+          <ac:chgData name="Jan Haas" userId="b12d44271bc99885" providerId="LiveId" clId="{710A56C8-67C8-4EB2-B06C-33663206202E}" dt="2022-02-08T16:26:17.094" v="370" actId="164"/>
           <ac:cxnSpMkLst>
             <pc:docMk/>
             <pc:sldMk cId="327007724" sldId="256"/>
@@ -376,7 +521,7 @@
           </ac:cxnSpMkLst>
         </pc:cxnChg>
         <pc:cxnChg chg="add mod">
-          <ac:chgData name="Jan Haas" userId="b12d44271bc99885" providerId="LiveId" clId="{710A56C8-67C8-4EB2-B06C-33663206202E}" dt="2021-11-28T14:03:34.962" v="204" actId="14100"/>
+          <ac:chgData name="Jan Haas" userId="b12d44271bc99885" providerId="LiveId" clId="{710A56C8-67C8-4EB2-B06C-33663206202E}" dt="2022-02-08T16:26:17.094" v="370" actId="164"/>
           <ac:cxnSpMkLst>
             <pc:docMk/>
             <pc:sldMk cId="327007724" sldId="256"/>
@@ -384,7 +529,7 @@
           </ac:cxnSpMkLst>
         </pc:cxnChg>
         <pc:cxnChg chg="add mod">
-          <ac:chgData name="Jan Haas" userId="b12d44271bc99885" providerId="LiveId" clId="{710A56C8-67C8-4EB2-B06C-33663206202E}" dt="2021-11-28T14:00:34.830" v="156" actId="14100"/>
+          <ac:chgData name="Jan Haas" userId="b12d44271bc99885" providerId="LiveId" clId="{710A56C8-67C8-4EB2-B06C-33663206202E}" dt="2022-02-08T16:26:17.094" v="370" actId="164"/>
           <ac:cxnSpMkLst>
             <pc:docMk/>
             <pc:sldMk cId="327007724" sldId="256"/>
@@ -408,7 +553,7 @@
           </ac:cxnSpMkLst>
         </pc:cxnChg>
         <pc:cxnChg chg="add mod">
-          <ac:chgData name="Jan Haas" userId="b12d44271bc99885" providerId="LiveId" clId="{710A56C8-67C8-4EB2-B06C-33663206202E}" dt="2021-11-28T14:00:40.668" v="157" actId="14100"/>
+          <ac:chgData name="Jan Haas" userId="b12d44271bc99885" providerId="LiveId" clId="{710A56C8-67C8-4EB2-B06C-33663206202E}" dt="2022-02-08T16:26:13.853" v="369" actId="14100"/>
           <ac:cxnSpMkLst>
             <pc:docMk/>
             <pc:sldMk cId="327007724" sldId="256"/>
@@ -416,7 +561,7 @@
           </ac:cxnSpMkLst>
         </pc:cxnChg>
         <pc:cxnChg chg="add mod">
-          <ac:chgData name="Jan Haas" userId="b12d44271bc99885" providerId="LiveId" clId="{710A56C8-67C8-4EB2-B06C-33663206202E}" dt="2021-11-28T14:07:25.007" v="221" actId="1076"/>
+          <ac:chgData name="Jan Haas" userId="b12d44271bc99885" providerId="LiveId" clId="{710A56C8-67C8-4EB2-B06C-33663206202E}" dt="2022-02-08T16:26:17.094" v="370" actId="164"/>
           <ac:cxnSpMkLst>
             <pc:docMk/>
             <pc:sldMk cId="327007724" sldId="256"/>
@@ -424,11 +569,546 @@
           </ac:cxnSpMkLst>
         </pc:cxnChg>
         <pc:cxnChg chg="add mod">
-          <ac:chgData name="Jan Haas" userId="b12d44271bc99885" providerId="LiveId" clId="{710A56C8-67C8-4EB2-B06C-33663206202E}" dt="2021-11-28T14:27:10.695" v="238" actId="14100"/>
+          <ac:chgData name="Jan Haas" userId="b12d44271bc99885" providerId="LiveId" clId="{710A56C8-67C8-4EB2-B06C-33663206202E}" dt="2022-02-08T16:26:17.094" v="370" actId="164"/>
           <ac:cxnSpMkLst>
             <pc:docMk/>
             <pc:sldMk cId="327007724" sldId="256"/>
             <ac:cxnSpMk id="135" creationId="{BD0D45AE-9DE6-4B2D-95D3-FFD83E3DCDD0}"/>
+          </ac:cxnSpMkLst>
+        </pc:cxnChg>
+      </pc:sldChg>
+      <pc:sldChg chg="addSp delSp modSp new mod">
+        <pc:chgData name="Jan Haas" userId="b12d44271bc99885" providerId="LiveId" clId="{710A56C8-67C8-4EB2-B06C-33663206202E}" dt="2022-02-09T15:37:39.724" v="872" actId="255"/>
+        <pc:sldMkLst>
+          <pc:docMk/>
+          <pc:sldMk cId="326851827" sldId="257"/>
+        </pc:sldMkLst>
+        <pc:spChg chg="del">
+          <ac:chgData name="Jan Haas" userId="b12d44271bc99885" providerId="LiveId" clId="{710A56C8-67C8-4EB2-B06C-33663206202E}" dt="2022-02-09T15:05:05.261" v="372" actId="478"/>
+          <ac:spMkLst>
+            <pc:docMk/>
+            <pc:sldMk cId="326851827" sldId="257"/>
+            <ac:spMk id="2" creationId="{8DBE66A6-BFCA-4140-9BA2-6FE0FA868A3C}"/>
+          </ac:spMkLst>
+        </pc:spChg>
+        <pc:spChg chg="del">
+          <ac:chgData name="Jan Haas" userId="b12d44271bc99885" providerId="LiveId" clId="{710A56C8-67C8-4EB2-B06C-33663206202E}" dt="2022-02-09T15:05:06.496" v="373" actId="478"/>
+          <ac:spMkLst>
+            <pc:docMk/>
+            <pc:sldMk cId="326851827" sldId="257"/>
+            <ac:spMk id="3" creationId="{D78EE502-3736-44F4-ABF7-CFA8BB6DEE60}"/>
+          </ac:spMkLst>
+        </pc:spChg>
+        <pc:spChg chg="add mod">
+          <ac:chgData name="Jan Haas" userId="b12d44271bc99885" providerId="LiveId" clId="{710A56C8-67C8-4EB2-B06C-33663206202E}" dt="2022-02-09T15:34:09.518" v="805" actId="1038"/>
+          <ac:spMkLst>
+            <pc:docMk/>
+            <pc:sldMk cId="326851827" sldId="257"/>
+            <ac:spMk id="5" creationId="{FFEDEB41-6274-4C3A-AEDB-CFDF2B901381}"/>
+          </ac:spMkLst>
+        </pc:spChg>
+        <pc:spChg chg="add mod">
+          <ac:chgData name="Jan Haas" userId="b12d44271bc99885" providerId="LiveId" clId="{710A56C8-67C8-4EB2-B06C-33663206202E}" dt="2022-02-09T15:34:09.518" v="805" actId="1038"/>
+          <ac:spMkLst>
+            <pc:docMk/>
+            <pc:sldMk cId="326851827" sldId="257"/>
+            <ac:spMk id="7" creationId="{4A9F21C6-D2BA-4770-8974-FBDD391E169D}"/>
+          </ac:spMkLst>
+        </pc:spChg>
+        <pc:spChg chg="add mod">
+          <ac:chgData name="Jan Haas" userId="b12d44271bc99885" providerId="LiveId" clId="{710A56C8-67C8-4EB2-B06C-33663206202E}" dt="2022-02-09T15:34:09.518" v="805" actId="1038"/>
+          <ac:spMkLst>
+            <pc:docMk/>
+            <pc:sldMk cId="326851827" sldId="257"/>
+            <ac:spMk id="9" creationId="{6895C88B-5161-48EB-BD32-BDB1C7A63B6B}"/>
+          </ac:spMkLst>
+        </pc:spChg>
+        <pc:spChg chg="mod">
+          <ac:chgData name="Jan Haas" userId="b12d44271bc99885" providerId="LiveId" clId="{710A56C8-67C8-4EB2-B06C-33663206202E}" dt="2022-02-09T15:05:20.030" v="375"/>
+          <ac:spMkLst>
+            <pc:docMk/>
+            <pc:sldMk cId="326851827" sldId="257"/>
+            <ac:spMk id="11" creationId="{84D019F2-22B8-4819-8EC4-97D9FC8F581D}"/>
+          </ac:spMkLst>
+        </pc:spChg>
+        <pc:spChg chg="mod">
+          <ac:chgData name="Jan Haas" userId="b12d44271bc99885" providerId="LiveId" clId="{710A56C8-67C8-4EB2-B06C-33663206202E}" dt="2022-02-09T15:05:20.030" v="375"/>
+          <ac:spMkLst>
+            <pc:docMk/>
+            <pc:sldMk cId="326851827" sldId="257"/>
+            <ac:spMk id="12" creationId="{7D7BCF84-0A2A-4BA3-8C47-9E3CB4812881}"/>
+          </ac:spMkLst>
+        </pc:spChg>
+        <pc:spChg chg="mod">
+          <ac:chgData name="Jan Haas" userId="b12d44271bc99885" providerId="LiveId" clId="{710A56C8-67C8-4EB2-B06C-33663206202E}" dt="2022-02-09T15:05:24.049" v="376"/>
+          <ac:spMkLst>
+            <pc:docMk/>
+            <pc:sldMk cId="326851827" sldId="257"/>
+            <ac:spMk id="14" creationId="{A09DE408-D276-4C38-A6C6-ABA3503792BB}"/>
+          </ac:spMkLst>
+        </pc:spChg>
+        <pc:spChg chg="mod">
+          <ac:chgData name="Jan Haas" userId="b12d44271bc99885" providerId="LiveId" clId="{710A56C8-67C8-4EB2-B06C-33663206202E}" dt="2022-02-09T15:05:24.049" v="376"/>
+          <ac:spMkLst>
+            <pc:docMk/>
+            <pc:sldMk cId="326851827" sldId="257"/>
+            <ac:spMk id="15" creationId="{40D74125-2241-44AF-87B9-2211054567D2}"/>
+          </ac:spMkLst>
+        </pc:spChg>
+        <pc:spChg chg="add mod">
+          <ac:chgData name="Jan Haas" userId="b12d44271bc99885" providerId="LiveId" clId="{710A56C8-67C8-4EB2-B06C-33663206202E}" dt="2022-02-09T15:06:11.248" v="388" actId="164"/>
+          <ac:spMkLst>
+            <pc:docMk/>
+            <pc:sldMk cId="326851827" sldId="257"/>
+            <ac:spMk id="16" creationId="{6BF77C75-520A-42D1-9DCF-82DDC2B24ACD}"/>
+          </ac:spMkLst>
+        </pc:spChg>
+        <pc:spChg chg="add del mod">
+          <ac:chgData name="Jan Haas" userId="b12d44271bc99885" providerId="LiveId" clId="{710A56C8-67C8-4EB2-B06C-33663206202E}" dt="2022-02-09T15:06:03.218" v="386"/>
+          <ac:spMkLst>
+            <pc:docMk/>
+            <pc:sldMk cId="326851827" sldId="257"/>
+            <ac:spMk id="17" creationId="{937AFDA1-9C17-443F-8B71-8AAF81749E75}"/>
+          </ac:spMkLst>
+        </pc:spChg>
+        <pc:spChg chg="add mod">
+          <ac:chgData name="Jan Haas" userId="b12d44271bc99885" providerId="LiveId" clId="{710A56C8-67C8-4EB2-B06C-33663206202E}" dt="2022-02-09T15:33:32.979" v="723" actId="14100"/>
+          <ac:spMkLst>
+            <pc:docMk/>
+            <pc:sldMk cId="326851827" sldId="257"/>
+            <ac:spMk id="18" creationId="{609C09A7-6B0B-402A-8525-266B8493D2FC}"/>
+          </ac:spMkLst>
+        </pc:spChg>
+        <pc:spChg chg="mod">
+          <ac:chgData name="Jan Haas" userId="b12d44271bc99885" providerId="LiveId" clId="{710A56C8-67C8-4EB2-B06C-33663206202E}" dt="2022-02-09T15:06:19.339" v="389"/>
+          <ac:spMkLst>
+            <pc:docMk/>
+            <pc:sldMk cId="326851827" sldId="257"/>
+            <ac:spMk id="21" creationId="{111FA18F-D25E-4DA8-9F5E-FBF4F2453C0B}"/>
+          </ac:spMkLst>
+        </pc:spChg>
+        <pc:spChg chg="mod">
+          <ac:chgData name="Jan Haas" userId="b12d44271bc99885" providerId="LiveId" clId="{710A56C8-67C8-4EB2-B06C-33663206202E}" dt="2022-02-09T15:06:19.339" v="389"/>
+          <ac:spMkLst>
+            <pc:docMk/>
+            <pc:sldMk cId="326851827" sldId="257"/>
+            <ac:spMk id="22" creationId="{83DEDFB5-B9FE-415F-A19A-BF38972BB98F}"/>
+          </ac:spMkLst>
+        </pc:spChg>
+        <pc:spChg chg="add mod">
+          <ac:chgData name="Jan Haas" userId="b12d44271bc99885" providerId="LiveId" clId="{710A56C8-67C8-4EB2-B06C-33663206202E}" dt="2022-02-09T15:34:09.518" v="805" actId="1038"/>
+          <ac:spMkLst>
+            <pc:docMk/>
+            <pc:sldMk cId="326851827" sldId="257"/>
+            <ac:spMk id="24" creationId="{BB72D54D-61FA-45BA-90F7-9A251C734263}"/>
+          </ac:spMkLst>
+        </pc:spChg>
+        <pc:spChg chg="add mod">
+          <ac:chgData name="Jan Haas" userId="b12d44271bc99885" providerId="LiveId" clId="{710A56C8-67C8-4EB2-B06C-33663206202E}" dt="2022-02-09T15:34:09.518" v="805" actId="1038"/>
+          <ac:spMkLst>
+            <pc:docMk/>
+            <pc:sldMk cId="326851827" sldId="257"/>
+            <ac:spMk id="25" creationId="{24214902-90F2-4DE5-8F7E-5018392970A1}"/>
+          </ac:spMkLst>
+        </pc:spChg>
+        <pc:spChg chg="mod">
+          <ac:chgData name="Jan Haas" userId="b12d44271bc99885" providerId="LiveId" clId="{710A56C8-67C8-4EB2-B06C-33663206202E}" dt="2022-02-09T15:06:49.829" v="393"/>
+          <ac:spMkLst>
+            <pc:docMk/>
+            <pc:sldMk cId="326851827" sldId="257"/>
+            <ac:spMk id="27" creationId="{5E1DD1B9-98A0-40B0-9B8C-506E993426BC}"/>
+          </ac:spMkLst>
+        </pc:spChg>
+        <pc:spChg chg="mod">
+          <ac:chgData name="Jan Haas" userId="b12d44271bc99885" providerId="LiveId" clId="{710A56C8-67C8-4EB2-B06C-33663206202E}" dt="2022-02-09T15:06:49.829" v="393"/>
+          <ac:spMkLst>
+            <pc:docMk/>
+            <pc:sldMk cId="326851827" sldId="257"/>
+            <ac:spMk id="28" creationId="{582B8670-A400-47A5-AC45-0DBD5ED8D31B}"/>
+          </ac:spMkLst>
+        </pc:spChg>
+        <pc:spChg chg="add mod">
+          <ac:chgData name="Jan Haas" userId="b12d44271bc99885" providerId="LiveId" clId="{710A56C8-67C8-4EB2-B06C-33663206202E}" dt="2022-02-09T15:34:09.518" v="805" actId="1038"/>
+          <ac:spMkLst>
+            <pc:docMk/>
+            <pc:sldMk cId="326851827" sldId="257"/>
+            <ac:spMk id="30" creationId="{D4183DF6-AE8B-415B-8E23-7C0623F6E74A}"/>
+          </ac:spMkLst>
+        </pc:spChg>
+        <pc:spChg chg="add mod">
+          <ac:chgData name="Jan Haas" userId="b12d44271bc99885" providerId="LiveId" clId="{710A56C8-67C8-4EB2-B06C-33663206202E}" dt="2022-02-09T15:34:09.518" v="805" actId="1038"/>
+          <ac:spMkLst>
+            <pc:docMk/>
+            <pc:sldMk cId="326851827" sldId="257"/>
+            <ac:spMk id="32" creationId="{49204640-D1A3-48FD-B55B-98EBFB5D5D0C}"/>
+          </ac:spMkLst>
+        </pc:spChg>
+        <pc:spChg chg="mod">
+          <ac:chgData name="Jan Haas" userId="b12d44271bc99885" providerId="LiveId" clId="{710A56C8-67C8-4EB2-B06C-33663206202E}" dt="2022-02-09T15:07:34.440" v="395"/>
+          <ac:spMkLst>
+            <pc:docMk/>
+            <pc:sldMk cId="326851827" sldId="257"/>
+            <ac:spMk id="34" creationId="{D875727C-AFE7-4AAA-A919-F8074D2B1951}"/>
+          </ac:spMkLst>
+        </pc:spChg>
+        <pc:spChg chg="mod">
+          <ac:chgData name="Jan Haas" userId="b12d44271bc99885" providerId="LiveId" clId="{710A56C8-67C8-4EB2-B06C-33663206202E}" dt="2022-02-09T15:07:34.440" v="395"/>
+          <ac:spMkLst>
+            <pc:docMk/>
+            <pc:sldMk cId="326851827" sldId="257"/>
+            <ac:spMk id="35" creationId="{F181A3DF-B805-4A4C-BF41-934C103026DD}"/>
+          </ac:spMkLst>
+        </pc:spChg>
+        <pc:spChg chg="add mod">
+          <ac:chgData name="Jan Haas" userId="b12d44271bc99885" providerId="LiveId" clId="{710A56C8-67C8-4EB2-B06C-33663206202E}" dt="2022-02-09T15:34:09.518" v="805" actId="1038"/>
+          <ac:spMkLst>
+            <pc:docMk/>
+            <pc:sldMk cId="326851827" sldId="257"/>
+            <ac:spMk id="39" creationId="{869FDD2B-C25A-423D-886D-C6C7D07A9B11}"/>
+          </ac:spMkLst>
+        </pc:spChg>
+        <pc:spChg chg="add mod">
+          <ac:chgData name="Jan Haas" userId="b12d44271bc99885" providerId="LiveId" clId="{710A56C8-67C8-4EB2-B06C-33663206202E}" dt="2022-02-09T15:34:09.518" v="805" actId="1038"/>
+          <ac:spMkLst>
+            <pc:docMk/>
+            <pc:sldMk cId="326851827" sldId="257"/>
+            <ac:spMk id="40" creationId="{E4E26C84-D7E9-4401-87AC-0496D8AE0566}"/>
+          </ac:spMkLst>
+        </pc:spChg>
+        <pc:spChg chg="add mod">
+          <ac:chgData name="Jan Haas" userId="b12d44271bc99885" providerId="LiveId" clId="{710A56C8-67C8-4EB2-B06C-33663206202E}" dt="2022-02-09T15:34:09.518" v="805" actId="1038"/>
+          <ac:spMkLst>
+            <pc:docMk/>
+            <pc:sldMk cId="326851827" sldId="257"/>
+            <ac:spMk id="41" creationId="{7DDF10C8-AD40-4FE4-A51E-70963ECBAA0B}"/>
+          </ac:spMkLst>
+        </pc:spChg>
+        <pc:spChg chg="add mod">
+          <ac:chgData name="Jan Haas" userId="b12d44271bc99885" providerId="LiveId" clId="{710A56C8-67C8-4EB2-B06C-33663206202E}" dt="2022-02-09T15:34:09.518" v="805" actId="1038"/>
+          <ac:spMkLst>
+            <pc:docMk/>
+            <pc:sldMk cId="326851827" sldId="257"/>
+            <ac:spMk id="45" creationId="{270C6C5D-352A-4C18-B6FF-FE2BE7FE76CC}"/>
+          </ac:spMkLst>
+        </pc:spChg>
+        <pc:spChg chg="add mod">
+          <ac:chgData name="Jan Haas" userId="b12d44271bc99885" providerId="LiveId" clId="{710A56C8-67C8-4EB2-B06C-33663206202E}" dt="2022-02-09T15:34:09.518" v="805" actId="1038"/>
+          <ac:spMkLst>
+            <pc:docMk/>
+            <pc:sldMk cId="326851827" sldId="257"/>
+            <ac:spMk id="46" creationId="{C40A1C25-6ADE-441E-935E-8731E905F671}"/>
+          </ac:spMkLst>
+        </pc:spChg>
+        <pc:spChg chg="add mod">
+          <ac:chgData name="Jan Haas" userId="b12d44271bc99885" providerId="LiveId" clId="{710A56C8-67C8-4EB2-B06C-33663206202E}" dt="2022-02-09T15:34:09.518" v="805" actId="1038"/>
+          <ac:spMkLst>
+            <pc:docMk/>
+            <pc:sldMk cId="326851827" sldId="257"/>
+            <ac:spMk id="47" creationId="{0C46C3F0-6562-4F36-AE84-06EC3DC17A1D}"/>
+          </ac:spMkLst>
+        </pc:spChg>
+        <pc:spChg chg="add mod">
+          <ac:chgData name="Jan Haas" userId="b12d44271bc99885" providerId="LiveId" clId="{710A56C8-67C8-4EB2-B06C-33663206202E}" dt="2022-02-09T15:34:09.518" v="805" actId="1038"/>
+          <ac:spMkLst>
+            <pc:docMk/>
+            <pc:sldMk cId="326851827" sldId="257"/>
+            <ac:spMk id="48" creationId="{5F0E34FC-6DD9-43D4-85D8-83AA41E7FF0A}"/>
+          </ac:spMkLst>
+        </pc:spChg>
+        <pc:spChg chg="add mod">
+          <ac:chgData name="Jan Haas" userId="b12d44271bc99885" providerId="LiveId" clId="{710A56C8-67C8-4EB2-B06C-33663206202E}" dt="2022-02-09T15:34:09.518" v="805" actId="1038"/>
+          <ac:spMkLst>
+            <pc:docMk/>
+            <pc:sldMk cId="326851827" sldId="257"/>
+            <ac:spMk id="52" creationId="{DB04AFC3-CB68-475F-9441-4701D2110ADA}"/>
+          </ac:spMkLst>
+        </pc:spChg>
+        <pc:spChg chg="add mod">
+          <ac:chgData name="Jan Haas" userId="b12d44271bc99885" providerId="LiveId" clId="{710A56C8-67C8-4EB2-B06C-33663206202E}" dt="2022-02-09T15:34:09.518" v="805" actId="1038"/>
+          <ac:spMkLst>
+            <pc:docMk/>
+            <pc:sldMk cId="326851827" sldId="257"/>
+            <ac:spMk id="64" creationId="{FBD74341-5C6B-4CFF-8D74-089A4FB2B2E0}"/>
+          </ac:spMkLst>
+        </pc:spChg>
+        <pc:spChg chg="add mod">
+          <ac:chgData name="Jan Haas" userId="b12d44271bc99885" providerId="LiveId" clId="{710A56C8-67C8-4EB2-B06C-33663206202E}" dt="2022-02-09T15:34:09.518" v="805" actId="1038"/>
+          <ac:spMkLst>
+            <pc:docMk/>
+            <pc:sldMk cId="326851827" sldId="257"/>
+            <ac:spMk id="68" creationId="{5A909AB2-78AA-46D1-957F-3D3537D30399}"/>
+          </ac:spMkLst>
+        </pc:spChg>
+        <pc:spChg chg="add del mod">
+          <ac:chgData name="Jan Haas" userId="b12d44271bc99885" providerId="LiveId" clId="{710A56C8-67C8-4EB2-B06C-33663206202E}" dt="2022-02-09T15:19:50.287" v="550" actId="478"/>
+          <ac:spMkLst>
+            <pc:docMk/>
+            <pc:sldMk cId="326851827" sldId="257"/>
+            <ac:spMk id="73" creationId="{4DE5DF01-0B10-4F26-88B8-763AA9224B7C}"/>
+          </ac:spMkLst>
+        </pc:spChg>
+        <pc:spChg chg="add mod">
+          <ac:chgData name="Jan Haas" userId="b12d44271bc99885" providerId="LiveId" clId="{710A56C8-67C8-4EB2-B06C-33663206202E}" dt="2022-02-09T15:34:09.518" v="805" actId="1038"/>
+          <ac:spMkLst>
+            <pc:docMk/>
+            <pc:sldMk cId="326851827" sldId="257"/>
+            <ac:spMk id="74" creationId="{65B3FB5B-FB6E-47C6-AD60-E5E192E6EFB2}"/>
+          </ac:spMkLst>
+        </pc:spChg>
+        <pc:spChg chg="add mod">
+          <ac:chgData name="Jan Haas" userId="b12d44271bc99885" providerId="LiveId" clId="{710A56C8-67C8-4EB2-B06C-33663206202E}" dt="2022-02-09T15:34:16.858" v="812" actId="20577"/>
+          <ac:spMkLst>
+            <pc:docMk/>
+            <pc:sldMk cId="326851827" sldId="257"/>
+            <ac:spMk id="81" creationId="{54841A77-F9CC-41E1-9B43-A7EFB9988D63}"/>
+          </ac:spMkLst>
+        </pc:spChg>
+        <pc:spChg chg="add mod">
+          <ac:chgData name="Jan Haas" userId="b12d44271bc99885" providerId="LiveId" clId="{710A56C8-67C8-4EB2-B06C-33663206202E}" dt="2022-02-09T15:34:09.518" v="805" actId="1038"/>
+          <ac:spMkLst>
+            <pc:docMk/>
+            <pc:sldMk cId="326851827" sldId="257"/>
+            <ac:spMk id="82" creationId="{B83AF949-C0C9-489E-99BA-D1EC1B7B3DEB}"/>
+          </ac:spMkLst>
+        </pc:spChg>
+        <pc:spChg chg="add mod">
+          <ac:chgData name="Jan Haas" userId="b12d44271bc99885" providerId="LiveId" clId="{710A56C8-67C8-4EB2-B06C-33663206202E}" dt="2022-02-09T15:34:09.518" v="805" actId="1038"/>
+          <ac:spMkLst>
+            <pc:docMk/>
+            <pc:sldMk cId="326851827" sldId="257"/>
+            <ac:spMk id="93" creationId="{3FCC4FA4-C173-48E9-962D-D15E17DC6F73}"/>
+          </ac:spMkLst>
+        </pc:spChg>
+        <pc:spChg chg="add mod">
+          <ac:chgData name="Jan Haas" userId="b12d44271bc99885" providerId="LiveId" clId="{710A56C8-67C8-4EB2-B06C-33663206202E}" dt="2022-02-09T15:34:09.518" v="805" actId="1038"/>
+          <ac:spMkLst>
+            <pc:docMk/>
+            <pc:sldMk cId="326851827" sldId="257"/>
+            <ac:spMk id="94" creationId="{CEEAA8BD-5F97-42EE-A517-3F58B3F09864}"/>
+          </ac:spMkLst>
+        </pc:spChg>
+        <pc:spChg chg="add mod">
+          <ac:chgData name="Jan Haas" userId="b12d44271bc99885" providerId="LiveId" clId="{710A56C8-67C8-4EB2-B06C-33663206202E}" dt="2022-02-09T15:36:53.645" v="851" actId="1076"/>
+          <ac:spMkLst>
+            <pc:docMk/>
+            <pc:sldMk cId="326851827" sldId="257"/>
+            <ac:spMk id="95" creationId="{69D97375-115C-4CE1-9E88-444B0AE222F4}"/>
+          </ac:spMkLst>
+        </pc:spChg>
+        <pc:spChg chg="add mod">
+          <ac:chgData name="Jan Haas" userId="b12d44271bc99885" providerId="LiveId" clId="{710A56C8-67C8-4EB2-B06C-33663206202E}" dt="2022-02-09T15:37:39.724" v="872" actId="255"/>
+          <ac:spMkLst>
+            <pc:docMk/>
+            <pc:sldMk cId="326851827" sldId="257"/>
+            <ac:spMk id="99" creationId="{922084B6-31E0-4870-890C-340DF15497AF}"/>
+          </ac:spMkLst>
+        </pc:spChg>
+        <pc:spChg chg="add mod">
+          <ac:chgData name="Jan Haas" userId="b12d44271bc99885" providerId="LiveId" clId="{710A56C8-67C8-4EB2-B06C-33663206202E}" dt="2022-02-09T15:37:30.792" v="871" actId="1076"/>
+          <ac:spMkLst>
+            <pc:docMk/>
+            <pc:sldMk cId="326851827" sldId="257"/>
+            <ac:spMk id="101" creationId="{746196EC-CA70-48C7-84A2-422FE2D7DA8A}"/>
+          </ac:spMkLst>
+        </pc:spChg>
+        <pc:grpChg chg="add mod">
+          <ac:chgData name="Jan Haas" userId="b12d44271bc99885" providerId="LiveId" clId="{710A56C8-67C8-4EB2-B06C-33663206202E}" dt="2022-02-09T15:34:09.518" v="805" actId="1038"/>
+          <ac:grpSpMkLst>
+            <pc:docMk/>
+            <pc:sldMk cId="326851827" sldId="257"/>
+            <ac:grpSpMk id="10" creationId="{47385C89-D579-4BAD-86A3-65BC17171D22}"/>
+          </ac:grpSpMkLst>
+        </pc:grpChg>
+        <pc:grpChg chg="add mod">
+          <ac:chgData name="Jan Haas" userId="b12d44271bc99885" providerId="LiveId" clId="{710A56C8-67C8-4EB2-B06C-33663206202E}" dt="2022-02-09T15:34:09.518" v="805" actId="1038"/>
+          <ac:grpSpMkLst>
+            <pc:docMk/>
+            <pc:sldMk cId="326851827" sldId="257"/>
+            <ac:grpSpMk id="13" creationId="{91160748-0A25-4CA0-A8CE-4814411D6420}"/>
+          </ac:grpSpMkLst>
+        </pc:grpChg>
+        <pc:grpChg chg="add mod">
+          <ac:chgData name="Jan Haas" userId="b12d44271bc99885" providerId="LiveId" clId="{710A56C8-67C8-4EB2-B06C-33663206202E}" dt="2022-02-09T15:34:09.518" v="805" actId="1038"/>
+          <ac:grpSpMkLst>
+            <pc:docMk/>
+            <pc:sldMk cId="326851827" sldId="257"/>
+            <ac:grpSpMk id="19" creationId="{8C9C7E92-51F6-42A2-BC29-244AD67767D4}"/>
+          </ac:grpSpMkLst>
+        </pc:grpChg>
+        <pc:grpChg chg="add mod">
+          <ac:chgData name="Jan Haas" userId="b12d44271bc99885" providerId="LiveId" clId="{710A56C8-67C8-4EB2-B06C-33663206202E}" dt="2022-02-09T15:34:09.518" v="805" actId="1038"/>
+          <ac:grpSpMkLst>
+            <pc:docMk/>
+            <pc:sldMk cId="326851827" sldId="257"/>
+            <ac:grpSpMk id="20" creationId="{F776D51A-636F-4DB0-99C8-98DF40A68775}"/>
+          </ac:grpSpMkLst>
+        </pc:grpChg>
+        <pc:grpChg chg="add mod">
+          <ac:chgData name="Jan Haas" userId="b12d44271bc99885" providerId="LiveId" clId="{710A56C8-67C8-4EB2-B06C-33663206202E}" dt="2022-02-09T15:34:09.518" v="805" actId="1038"/>
+          <ac:grpSpMkLst>
+            <pc:docMk/>
+            <pc:sldMk cId="326851827" sldId="257"/>
+            <ac:grpSpMk id="26" creationId="{7AD05CFA-5CE1-456C-95C8-427CB90EF8FD}"/>
+          </ac:grpSpMkLst>
+        </pc:grpChg>
+        <pc:grpChg chg="add mod">
+          <ac:chgData name="Jan Haas" userId="b12d44271bc99885" providerId="LiveId" clId="{710A56C8-67C8-4EB2-B06C-33663206202E}" dt="2022-02-09T15:34:09.518" v="805" actId="1038"/>
+          <ac:grpSpMkLst>
+            <pc:docMk/>
+            <pc:sldMk cId="326851827" sldId="257"/>
+            <ac:grpSpMk id="33" creationId="{D7B87B0C-C964-4874-A32E-FA799615E9BB}"/>
+          </ac:grpSpMkLst>
+        </pc:grpChg>
+        <pc:cxnChg chg="add mod">
+          <ac:chgData name="Jan Haas" userId="b12d44271bc99885" providerId="LiveId" clId="{710A56C8-67C8-4EB2-B06C-33663206202E}" dt="2022-02-09T15:34:09.518" v="805" actId="1038"/>
+          <ac:cxnSpMkLst>
+            <pc:docMk/>
+            <pc:sldMk cId="326851827" sldId="257"/>
+            <ac:cxnSpMk id="4" creationId="{DE88C3D4-CE22-4DEE-B5E4-8134D0B9AC7F}"/>
+          </ac:cxnSpMkLst>
+        </pc:cxnChg>
+        <pc:cxnChg chg="add mod">
+          <ac:chgData name="Jan Haas" userId="b12d44271bc99885" providerId="LiveId" clId="{710A56C8-67C8-4EB2-B06C-33663206202E}" dt="2022-02-09T15:34:09.518" v="805" actId="1038"/>
+          <ac:cxnSpMkLst>
+            <pc:docMk/>
+            <pc:sldMk cId="326851827" sldId="257"/>
+            <ac:cxnSpMk id="6" creationId="{A7AC8685-ED29-43DC-9E23-5DE799D7D8B8}"/>
+          </ac:cxnSpMkLst>
+        </pc:cxnChg>
+        <pc:cxnChg chg="add mod">
+          <ac:chgData name="Jan Haas" userId="b12d44271bc99885" providerId="LiveId" clId="{710A56C8-67C8-4EB2-B06C-33663206202E}" dt="2022-02-09T15:34:09.518" v="805" actId="1038"/>
+          <ac:cxnSpMkLst>
+            <pc:docMk/>
+            <pc:sldMk cId="326851827" sldId="257"/>
+            <ac:cxnSpMk id="8" creationId="{C456FA01-6450-45F0-AB33-FB3C6E661199}"/>
+          </ac:cxnSpMkLst>
+        </pc:cxnChg>
+        <pc:cxnChg chg="add mod">
+          <ac:chgData name="Jan Haas" userId="b12d44271bc99885" providerId="LiveId" clId="{710A56C8-67C8-4EB2-B06C-33663206202E}" dt="2022-02-09T15:34:09.518" v="805" actId="1038"/>
+          <ac:cxnSpMkLst>
+            <pc:docMk/>
+            <pc:sldMk cId="326851827" sldId="257"/>
+            <ac:cxnSpMk id="23" creationId="{32FF566C-E092-403D-8755-391E45416555}"/>
+          </ac:cxnSpMkLst>
+        </pc:cxnChg>
+        <pc:cxnChg chg="add mod">
+          <ac:chgData name="Jan Haas" userId="b12d44271bc99885" providerId="LiveId" clId="{710A56C8-67C8-4EB2-B06C-33663206202E}" dt="2022-02-09T15:34:09.518" v="805" actId="1038"/>
+          <ac:cxnSpMkLst>
+            <pc:docMk/>
+            <pc:sldMk cId="326851827" sldId="257"/>
+            <ac:cxnSpMk id="29" creationId="{56C30BFC-4BD2-4805-917F-BE17AA2353D6}"/>
+          </ac:cxnSpMkLst>
+        </pc:cxnChg>
+        <pc:cxnChg chg="add mod">
+          <ac:chgData name="Jan Haas" userId="b12d44271bc99885" providerId="LiveId" clId="{710A56C8-67C8-4EB2-B06C-33663206202E}" dt="2022-02-09T15:34:09.518" v="805" actId="1038"/>
+          <ac:cxnSpMkLst>
+            <pc:docMk/>
+            <pc:sldMk cId="326851827" sldId="257"/>
+            <ac:cxnSpMk id="31" creationId="{EC937091-28DC-455E-B97B-43802E9DFF98}"/>
+          </ac:cxnSpMkLst>
+        </pc:cxnChg>
+        <pc:cxnChg chg="add mod">
+          <ac:chgData name="Jan Haas" userId="b12d44271bc99885" providerId="LiveId" clId="{710A56C8-67C8-4EB2-B06C-33663206202E}" dt="2022-02-09T15:34:09.518" v="805" actId="1038"/>
+          <ac:cxnSpMkLst>
+            <pc:docMk/>
+            <pc:sldMk cId="326851827" sldId="257"/>
+            <ac:cxnSpMk id="36" creationId="{9281738E-B4A7-45FD-B7B7-64FED9661C93}"/>
+          </ac:cxnSpMkLst>
+        </pc:cxnChg>
+        <pc:cxnChg chg="add del mod">
+          <ac:chgData name="Jan Haas" userId="b12d44271bc99885" providerId="LiveId" clId="{710A56C8-67C8-4EB2-B06C-33663206202E}" dt="2022-02-09T15:09:05.056" v="427" actId="478"/>
+          <ac:cxnSpMkLst>
+            <pc:docMk/>
+            <pc:sldMk cId="326851827" sldId="257"/>
+            <ac:cxnSpMk id="37" creationId="{BC3EB1B6-4979-42E8-9B42-7B046E349C18}"/>
+          </ac:cxnSpMkLst>
+        </pc:cxnChg>
+        <pc:cxnChg chg="add del mod">
+          <ac:chgData name="Jan Haas" userId="b12d44271bc99885" providerId="LiveId" clId="{710A56C8-67C8-4EB2-B06C-33663206202E}" dt="2022-02-09T15:09:03.036" v="426" actId="478"/>
+          <ac:cxnSpMkLst>
+            <pc:docMk/>
+            <pc:sldMk cId="326851827" sldId="257"/>
+            <ac:cxnSpMk id="38" creationId="{FE9928C2-CC71-476E-A63F-49A9D867F206}"/>
+          </ac:cxnSpMkLst>
+        </pc:cxnChg>
+        <pc:cxnChg chg="add mod">
+          <ac:chgData name="Jan Haas" userId="b12d44271bc99885" providerId="LiveId" clId="{710A56C8-67C8-4EB2-B06C-33663206202E}" dt="2022-02-09T15:34:09.518" v="805" actId="1038"/>
+          <ac:cxnSpMkLst>
+            <pc:docMk/>
+            <pc:sldMk cId="326851827" sldId="257"/>
+            <ac:cxnSpMk id="43" creationId="{12FC95C2-DB75-4CDC-9363-8A47C7D33082}"/>
+          </ac:cxnSpMkLst>
+        </pc:cxnChg>
+        <pc:cxnChg chg="add mod">
+          <ac:chgData name="Jan Haas" userId="b12d44271bc99885" providerId="LiveId" clId="{710A56C8-67C8-4EB2-B06C-33663206202E}" dt="2022-02-09T15:34:09.518" v="805" actId="1038"/>
+          <ac:cxnSpMkLst>
+            <pc:docMk/>
+            <pc:sldMk cId="326851827" sldId="257"/>
+            <ac:cxnSpMk id="44" creationId="{2E2F77F0-FCC8-434D-8504-3D3BCC2C2C62}"/>
+          </ac:cxnSpMkLst>
+        </pc:cxnChg>
+        <pc:cxnChg chg="add mod">
+          <ac:chgData name="Jan Haas" userId="b12d44271bc99885" providerId="LiveId" clId="{710A56C8-67C8-4EB2-B06C-33663206202E}" dt="2022-02-09T15:34:09.518" v="805" actId="1038"/>
+          <ac:cxnSpMkLst>
+            <pc:docMk/>
+            <pc:sldMk cId="326851827" sldId="257"/>
+            <ac:cxnSpMk id="49" creationId="{868C7FA6-1CEE-4A0A-8256-37A6AB04CC91}"/>
+          </ac:cxnSpMkLst>
+        </pc:cxnChg>
+        <pc:cxnChg chg="add mod">
+          <ac:chgData name="Jan Haas" userId="b12d44271bc99885" providerId="LiveId" clId="{710A56C8-67C8-4EB2-B06C-33663206202E}" dt="2022-02-09T15:34:09.518" v="805" actId="1038"/>
+          <ac:cxnSpMkLst>
+            <pc:docMk/>
+            <pc:sldMk cId="326851827" sldId="257"/>
+            <ac:cxnSpMk id="54" creationId="{FFF0BE05-487E-4971-96B8-034DF9389344}"/>
+          </ac:cxnSpMkLst>
+        </pc:cxnChg>
+        <pc:cxnChg chg="add mod">
+          <ac:chgData name="Jan Haas" userId="b12d44271bc99885" providerId="LiveId" clId="{710A56C8-67C8-4EB2-B06C-33663206202E}" dt="2022-02-09T15:34:09.518" v="805" actId="1038"/>
+          <ac:cxnSpMkLst>
+            <pc:docMk/>
+            <pc:sldMk cId="326851827" sldId="257"/>
+            <ac:cxnSpMk id="57" creationId="{D609B516-0FE3-4544-A7CE-28C56F04B92A}"/>
+          </ac:cxnSpMkLst>
+        </pc:cxnChg>
+        <pc:cxnChg chg="add mod">
+          <ac:chgData name="Jan Haas" userId="b12d44271bc99885" providerId="LiveId" clId="{710A56C8-67C8-4EB2-B06C-33663206202E}" dt="2022-02-09T15:34:09.518" v="805" actId="1038"/>
+          <ac:cxnSpMkLst>
+            <pc:docMk/>
+            <pc:sldMk cId="326851827" sldId="257"/>
+            <ac:cxnSpMk id="60" creationId="{19954DE7-51D5-46A4-BFBD-EE9BC988EC55}"/>
+          </ac:cxnSpMkLst>
+        </pc:cxnChg>
+        <pc:cxnChg chg="add mod">
+          <ac:chgData name="Jan Haas" userId="b12d44271bc99885" providerId="LiveId" clId="{710A56C8-67C8-4EB2-B06C-33663206202E}" dt="2022-02-09T15:34:09.518" v="805" actId="1038"/>
+          <ac:cxnSpMkLst>
+            <pc:docMk/>
+            <pc:sldMk cId="326851827" sldId="257"/>
+            <ac:cxnSpMk id="65" creationId="{7D5DE820-AB4A-42F5-8A46-06ACDCD402A6}"/>
+          </ac:cxnSpMkLst>
+        </pc:cxnChg>
+        <pc:cxnChg chg="add mod">
+          <ac:chgData name="Jan Haas" userId="b12d44271bc99885" providerId="LiveId" clId="{710A56C8-67C8-4EB2-B06C-33663206202E}" dt="2022-02-09T15:34:09.518" v="805" actId="1038"/>
+          <ac:cxnSpMkLst>
+            <pc:docMk/>
+            <pc:sldMk cId="326851827" sldId="257"/>
+            <ac:cxnSpMk id="75" creationId="{C85A36CE-B28B-438B-90A1-D06380B5D3F9}"/>
+          </ac:cxnSpMkLst>
+        </pc:cxnChg>
+        <pc:cxnChg chg="add mod">
+          <ac:chgData name="Jan Haas" userId="b12d44271bc99885" providerId="LiveId" clId="{710A56C8-67C8-4EB2-B06C-33663206202E}" dt="2022-02-09T15:34:09.518" v="805" actId="1038"/>
+          <ac:cxnSpMkLst>
+            <pc:docMk/>
+            <pc:sldMk cId="326851827" sldId="257"/>
+            <ac:cxnSpMk id="83" creationId="{CBBE6939-FD2D-4D16-AC1F-D5A3FEDDF51C}"/>
+          </ac:cxnSpMkLst>
+        </pc:cxnChg>
+        <pc:cxnChg chg="add mod">
+          <ac:chgData name="Jan Haas" userId="b12d44271bc99885" providerId="LiveId" clId="{710A56C8-67C8-4EB2-B06C-33663206202E}" dt="2022-02-09T15:36:53.645" v="851" actId="1076"/>
+          <ac:cxnSpMkLst>
+            <pc:docMk/>
+            <pc:sldMk cId="326851827" sldId="257"/>
+            <ac:cxnSpMk id="97" creationId="{79896E7C-3DB5-451D-B647-8A4DC8EE53D2}"/>
           </ac:cxnSpMkLst>
         </pc:cxnChg>
       </pc:sldChg>
@@ -584,7 +1264,7 @@
           <a:p>
             <a:fld id="{CAF1D50F-7B80-4DEA-8808-3DFE2EEA7560}" type="datetimeFigureOut">
               <a:rPr lang="en-US" smtClean="0"/>
-              <a:t>1/12/2022</a:t>
+              <a:t>2/9/2022</a:t>
             </a:fld>
             <a:endParaRPr lang="en-US"/>
           </a:p>
@@ -782,7 +1462,7 @@
           <a:p>
             <a:fld id="{CAF1D50F-7B80-4DEA-8808-3DFE2EEA7560}" type="datetimeFigureOut">
               <a:rPr lang="en-US" smtClean="0"/>
-              <a:t>1/12/2022</a:t>
+              <a:t>2/9/2022</a:t>
             </a:fld>
             <a:endParaRPr lang="en-US"/>
           </a:p>
@@ -990,7 +1670,7 @@
           <a:p>
             <a:fld id="{CAF1D50F-7B80-4DEA-8808-3DFE2EEA7560}" type="datetimeFigureOut">
               <a:rPr lang="en-US" smtClean="0"/>
-              <a:t>1/12/2022</a:t>
+              <a:t>2/9/2022</a:t>
             </a:fld>
             <a:endParaRPr lang="en-US"/>
           </a:p>
@@ -1188,7 +1868,7 @@
           <a:p>
             <a:fld id="{CAF1D50F-7B80-4DEA-8808-3DFE2EEA7560}" type="datetimeFigureOut">
               <a:rPr lang="en-US" smtClean="0"/>
-              <a:t>1/12/2022</a:t>
+              <a:t>2/9/2022</a:t>
             </a:fld>
             <a:endParaRPr lang="en-US"/>
           </a:p>
@@ -1463,7 +2143,7 @@
           <a:p>
             <a:fld id="{CAF1D50F-7B80-4DEA-8808-3DFE2EEA7560}" type="datetimeFigureOut">
               <a:rPr lang="en-US" smtClean="0"/>
-              <a:t>1/12/2022</a:t>
+              <a:t>2/9/2022</a:t>
             </a:fld>
             <a:endParaRPr lang="en-US"/>
           </a:p>
@@ -1728,7 +2408,7 @@
           <a:p>
             <a:fld id="{CAF1D50F-7B80-4DEA-8808-3DFE2EEA7560}" type="datetimeFigureOut">
               <a:rPr lang="en-US" smtClean="0"/>
-              <a:t>1/12/2022</a:t>
+              <a:t>2/9/2022</a:t>
             </a:fld>
             <a:endParaRPr lang="en-US"/>
           </a:p>
@@ -2140,7 +2820,7 @@
           <a:p>
             <a:fld id="{CAF1D50F-7B80-4DEA-8808-3DFE2EEA7560}" type="datetimeFigureOut">
               <a:rPr lang="en-US" smtClean="0"/>
-              <a:t>1/12/2022</a:t>
+              <a:t>2/9/2022</a:t>
             </a:fld>
             <a:endParaRPr lang="en-US"/>
           </a:p>
@@ -2281,7 +2961,7 @@
           <a:p>
             <a:fld id="{CAF1D50F-7B80-4DEA-8808-3DFE2EEA7560}" type="datetimeFigureOut">
               <a:rPr lang="en-US" smtClean="0"/>
-              <a:t>1/12/2022</a:t>
+              <a:t>2/9/2022</a:t>
             </a:fld>
             <a:endParaRPr lang="en-US"/>
           </a:p>
@@ -2394,7 +3074,7 @@
           <a:p>
             <a:fld id="{CAF1D50F-7B80-4DEA-8808-3DFE2EEA7560}" type="datetimeFigureOut">
               <a:rPr lang="en-US" smtClean="0"/>
-              <a:t>1/12/2022</a:t>
+              <a:t>2/9/2022</a:t>
             </a:fld>
             <a:endParaRPr lang="en-US"/>
           </a:p>
@@ -2705,7 +3385,7 @@
           <a:p>
             <a:fld id="{CAF1D50F-7B80-4DEA-8808-3DFE2EEA7560}" type="datetimeFigureOut">
               <a:rPr lang="en-US" smtClean="0"/>
-              <a:t>1/12/2022</a:t>
+              <a:t>2/9/2022</a:t>
             </a:fld>
             <a:endParaRPr lang="en-US"/>
           </a:p>
@@ -2993,7 +3673,7 @@
           <a:p>
             <a:fld id="{CAF1D50F-7B80-4DEA-8808-3DFE2EEA7560}" type="datetimeFigureOut">
               <a:rPr lang="en-US" smtClean="0"/>
-              <a:t>1/12/2022</a:t>
+              <a:t>2/9/2022</a:t>
             </a:fld>
             <a:endParaRPr lang="en-US"/>
           </a:p>
@@ -3234,7 +3914,7 @@
           <a:p>
             <a:fld id="{CAF1D50F-7B80-4DEA-8808-3DFE2EEA7560}" type="datetimeFigureOut">
               <a:rPr lang="en-US" smtClean="0"/>
-              <a:t>1/12/2022</a:t>
+              <a:t>2/9/2022</a:t>
             </a:fld>
             <a:endParaRPr lang="en-US"/>
           </a:p>
@@ -3774,7 +4454,7 @@
           <a:noFill/>
         </p:spPr>
         <p:txBody>
-          <a:bodyPr wrap="none" rtlCol="0">
+          <a:bodyPr wrap="square" rtlCol="0">
             <a:spAutoFit/>
           </a:bodyPr>
           <a:lstStyle/>
@@ -3936,7 +4616,7 @@
           <a:noFill/>
         </p:spPr>
         <p:txBody>
-          <a:bodyPr wrap="none" rtlCol="0">
+          <a:bodyPr wrap="square" rtlCol="0">
             <a:spAutoFit/>
           </a:bodyPr>
           <a:lstStyle/>
@@ -4118,7 +4798,7 @@
           <a:noFill/>
         </p:spPr>
         <p:txBody>
-          <a:bodyPr wrap="none" rtlCol="0">
+          <a:bodyPr wrap="square" rtlCol="0">
             <a:spAutoFit/>
           </a:bodyPr>
           <a:lstStyle/>
@@ -4153,7 +4833,7 @@
           <a:noFill/>
         </p:spPr>
         <p:txBody>
-          <a:bodyPr wrap="none" rtlCol="0">
+          <a:bodyPr wrap="square" rtlCol="0">
             <a:spAutoFit/>
           </a:bodyPr>
           <a:lstStyle/>
@@ -4438,7 +5118,7 @@
           <a:noFill/>
         </p:spPr>
         <p:txBody>
-          <a:bodyPr wrap="none" rtlCol="0">
+          <a:bodyPr wrap="square" rtlCol="0">
             <a:spAutoFit/>
           </a:bodyPr>
           <a:lstStyle/>
@@ -4518,7 +5198,7 @@
           <a:noFill/>
         </p:spPr>
         <p:txBody>
-          <a:bodyPr wrap="none" rtlCol="0">
+          <a:bodyPr wrap="square" rtlCol="0">
             <a:spAutoFit/>
           </a:bodyPr>
           <a:lstStyle/>
@@ -5078,7 +5758,7 @@
           <a:noFill/>
         </p:spPr>
         <p:txBody>
-          <a:bodyPr wrap="none" rtlCol="0">
+          <a:bodyPr wrap="square" rtlCol="0">
             <a:spAutoFit/>
           </a:bodyPr>
           <a:lstStyle/>
@@ -5160,7 +5840,7 @@
           <a:noFill/>
         </p:spPr>
         <p:txBody>
-          <a:bodyPr wrap="none" rtlCol="0">
+          <a:bodyPr wrap="square" rtlCol="0">
             <a:spAutoFit/>
           </a:bodyPr>
           <a:lstStyle/>
@@ -5469,7 +6149,7 @@
           <a:noFill/>
         </p:spPr>
         <p:txBody>
-          <a:bodyPr wrap="none" rtlCol="0">
+          <a:bodyPr wrap="square" rtlCol="0">
             <a:spAutoFit/>
           </a:bodyPr>
           <a:lstStyle/>
@@ -5557,7 +6237,7 @@
           <a:noFill/>
         </p:spPr>
         <p:txBody>
-          <a:bodyPr wrap="none" rtlCol="0">
+          <a:bodyPr wrap="square" rtlCol="0">
             <a:spAutoFit/>
           </a:bodyPr>
           <a:lstStyle/>
@@ -5624,6 +6304,2448 @@
     <p:extLst>
       <p:ext uri="{BB962C8B-B14F-4D97-AF65-F5344CB8AC3E}">
         <p14:creationId xmlns:p14="http://schemas.microsoft.com/office/powerpoint/2010/main" val="327007724"/>
+      </p:ext>
+    </p:extLst>
+  </p:cSld>
+  <p:clrMapOvr>
+    <a:masterClrMapping/>
+  </p:clrMapOvr>
+</p:sld>
+</file>
+
+<file path=ppt/slides/slide2.xml><?xml version="1.0" encoding="utf-8"?>
+<p:sld xmlns:a="http://schemas.openxmlformats.org/drawingml/2006/main" xmlns:r="http://schemas.openxmlformats.org/officeDocument/2006/relationships" xmlns:p="http://schemas.openxmlformats.org/presentationml/2006/main">
+  <p:cSld>
+    <p:spTree>
+      <p:nvGrpSpPr>
+        <p:cNvPr id="1" name=""/>
+        <p:cNvGrpSpPr/>
+        <p:nvPr/>
+      </p:nvGrpSpPr>
+      <p:grpSpPr>
+        <a:xfrm>
+          <a:off x="0" y="0"/>
+          <a:ext cx="0" cy="0"/>
+          <a:chOff x="0" y="0"/>
+          <a:chExt cx="0" cy="0"/>
+        </a:xfrm>
+      </p:grpSpPr>
+      <p:cxnSp>
+        <p:nvCxnSpPr>
+          <p:cNvPr id="4" name="Straight Arrow Connector 3">
+            <a:extLst>
+              <a:ext uri="{FF2B5EF4-FFF2-40B4-BE49-F238E27FC236}">
+                <a16:creationId xmlns:a16="http://schemas.microsoft.com/office/drawing/2014/main" id="{DE88C3D4-CE22-4DEE-B5E4-8134D0B9AC7F}"/>
+              </a:ext>
+            </a:extLst>
+          </p:cNvPr>
+          <p:cNvCxnSpPr>
+            <a:cxnSpLocks/>
+          </p:cNvCxnSpPr>
+          <p:nvPr/>
+        </p:nvCxnSpPr>
+        <p:spPr>
+          <a:xfrm>
+            <a:off x="4874363" y="6002186"/>
+            <a:ext cx="628785" cy="0"/>
+          </a:xfrm>
+          <a:prstGeom prst="straightConnector1">
+            <a:avLst/>
+          </a:prstGeom>
+          <a:ln w="28575" cap="flat" cmpd="sng" algn="ctr">
+            <a:solidFill>
+              <a:srgbClr val="7030A0"/>
+            </a:solidFill>
+            <a:prstDash val="solid"/>
+            <a:round/>
+            <a:headEnd type="none" w="med" len="med"/>
+            <a:tailEnd type="arrow" w="med" len="med"/>
+          </a:ln>
+        </p:spPr>
+        <p:style>
+          <a:lnRef idx="0">
+            <a:scrgbClr r="0" g="0" b="0"/>
+          </a:lnRef>
+          <a:fillRef idx="0">
+            <a:scrgbClr r="0" g="0" b="0"/>
+          </a:fillRef>
+          <a:effectRef idx="0">
+            <a:scrgbClr r="0" g="0" b="0"/>
+          </a:effectRef>
+          <a:fontRef idx="minor">
+            <a:schemeClr val="tx1"/>
+          </a:fontRef>
+        </p:style>
+      </p:cxnSp>
+      <p:sp>
+        <p:nvSpPr>
+          <p:cNvPr id="5" name="TextBox 4">
+            <a:extLst>
+              <a:ext uri="{FF2B5EF4-FFF2-40B4-BE49-F238E27FC236}">
+                <a16:creationId xmlns:a16="http://schemas.microsoft.com/office/drawing/2014/main" id="{FFEDEB41-6274-4C3A-AEDB-CFDF2B901381}"/>
+              </a:ext>
+            </a:extLst>
+          </p:cNvPr>
+          <p:cNvSpPr txBox="1"/>
+          <p:nvPr/>
+        </p:nvSpPr>
+        <p:spPr>
+          <a:xfrm>
+            <a:off x="3730423" y="5827579"/>
+            <a:ext cx="1162228" cy="338554"/>
+          </a:xfrm>
+          <a:prstGeom prst="rect">
+            <a:avLst/>
+          </a:prstGeom>
+          <a:noFill/>
+        </p:spPr>
+        <p:txBody>
+          <a:bodyPr wrap="square" rtlCol="0">
+            <a:spAutoFit/>
+          </a:bodyPr>
+          <a:lstStyle/>
+          <a:p>
+            <a:r>
+              <a:rPr lang="en-US" sz="1600" dirty="0"/>
+              <a:t>Unicast TCP</a:t>
+            </a:r>
+          </a:p>
+        </p:txBody>
+      </p:sp>
+      <p:cxnSp>
+        <p:nvCxnSpPr>
+          <p:cNvPr id="6" name="Straight Arrow Connector 5">
+            <a:extLst>
+              <a:ext uri="{FF2B5EF4-FFF2-40B4-BE49-F238E27FC236}">
+                <a16:creationId xmlns:a16="http://schemas.microsoft.com/office/drawing/2014/main" id="{A7AC8685-ED29-43DC-9E23-5DE799D7D8B8}"/>
+              </a:ext>
+            </a:extLst>
+          </p:cNvPr>
+          <p:cNvCxnSpPr>
+            <a:cxnSpLocks/>
+          </p:cNvCxnSpPr>
+          <p:nvPr/>
+        </p:nvCxnSpPr>
+        <p:spPr>
+          <a:xfrm>
+            <a:off x="4874363" y="6280202"/>
+            <a:ext cx="628785" cy="0"/>
+          </a:xfrm>
+          <a:prstGeom prst="straightConnector1">
+            <a:avLst/>
+          </a:prstGeom>
+          <a:ln w="28575" cap="flat" cmpd="sng" algn="ctr">
+            <a:solidFill>
+              <a:srgbClr val="92D050"/>
+            </a:solidFill>
+            <a:prstDash val="solid"/>
+            <a:round/>
+            <a:headEnd type="none" w="med" len="med"/>
+            <a:tailEnd type="arrow" w="med" len="med"/>
+          </a:ln>
+        </p:spPr>
+        <p:style>
+          <a:lnRef idx="0">
+            <a:scrgbClr r="0" g="0" b="0"/>
+          </a:lnRef>
+          <a:fillRef idx="0">
+            <a:scrgbClr r="0" g="0" b="0"/>
+          </a:fillRef>
+          <a:effectRef idx="0">
+            <a:scrgbClr r="0" g="0" b="0"/>
+          </a:effectRef>
+          <a:fontRef idx="minor">
+            <a:schemeClr val="tx1"/>
+          </a:fontRef>
+        </p:style>
+      </p:cxnSp>
+      <p:sp>
+        <p:nvSpPr>
+          <p:cNvPr id="7" name="TextBox 6">
+            <a:extLst>
+              <a:ext uri="{FF2B5EF4-FFF2-40B4-BE49-F238E27FC236}">
+                <a16:creationId xmlns:a16="http://schemas.microsoft.com/office/drawing/2014/main" id="{4A9F21C6-D2BA-4770-8974-FBDD391E169D}"/>
+              </a:ext>
+            </a:extLst>
+          </p:cNvPr>
+          <p:cNvSpPr txBox="1"/>
+          <p:nvPr/>
+        </p:nvSpPr>
+        <p:spPr>
+          <a:xfrm>
+            <a:off x="1958967" y="6105595"/>
+            <a:ext cx="3017520" cy="338554"/>
+          </a:xfrm>
+          <a:prstGeom prst="rect">
+            <a:avLst/>
+          </a:prstGeom>
+          <a:noFill/>
+        </p:spPr>
+        <p:txBody>
+          <a:bodyPr wrap="square" rtlCol="0">
+            <a:spAutoFit/>
+          </a:bodyPr>
+          <a:lstStyle/>
+          <a:p>
+            <a:r>
+              <a:rPr lang="en-US" sz="1600" dirty="0"/>
+              <a:t>Reliable Totally Ordered Multicast</a:t>
+            </a:r>
+          </a:p>
+        </p:txBody>
+      </p:sp>
+      <p:cxnSp>
+        <p:nvCxnSpPr>
+          <p:cNvPr id="8" name="Straight Arrow Connector 7">
+            <a:extLst>
+              <a:ext uri="{FF2B5EF4-FFF2-40B4-BE49-F238E27FC236}">
+                <a16:creationId xmlns:a16="http://schemas.microsoft.com/office/drawing/2014/main" id="{C456FA01-6450-45F0-AB33-FB3C6E661199}"/>
+              </a:ext>
+            </a:extLst>
+          </p:cNvPr>
+          <p:cNvCxnSpPr>
+            <a:cxnSpLocks/>
+          </p:cNvCxnSpPr>
+          <p:nvPr/>
+        </p:nvCxnSpPr>
+        <p:spPr>
+          <a:xfrm>
+            <a:off x="4874242" y="5703678"/>
+            <a:ext cx="628785" cy="0"/>
+          </a:xfrm>
+          <a:prstGeom prst="straightConnector1">
+            <a:avLst/>
+          </a:prstGeom>
+          <a:ln w="28575" cap="flat" cmpd="sng" algn="ctr">
+            <a:solidFill>
+              <a:schemeClr val="accent2">
+                <a:lumMod val="75000"/>
+              </a:schemeClr>
+            </a:solidFill>
+            <a:prstDash val="solid"/>
+            <a:round/>
+            <a:headEnd type="none" w="med" len="med"/>
+            <a:tailEnd type="arrow" w="med" len="med"/>
+          </a:ln>
+        </p:spPr>
+        <p:style>
+          <a:lnRef idx="0">
+            <a:scrgbClr r="0" g="0" b="0"/>
+          </a:lnRef>
+          <a:fillRef idx="0">
+            <a:scrgbClr r="0" g="0" b="0"/>
+          </a:fillRef>
+          <a:effectRef idx="0">
+            <a:scrgbClr r="0" g="0" b="0"/>
+          </a:effectRef>
+          <a:fontRef idx="minor">
+            <a:schemeClr val="tx1"/>
+          </a:fontRef>
+        </p:style>
+      </p:cxnSp>
+      <p:sp>
+        <p:nvSpPr>
+          <p:cNvPr id="9" name="TextBox 8">
+            <a:extLst>
+              <a:ext uri="{FF2B5EF4-FFF2-40B4-BE49-F238E27FC236}">
+                <a16:creationId xmlns:a16="http://schemas.microsoft.com/office/drawing/2014/main" id="{6895C88B-5161-48EB-BD32-BDB1C7A63B6B}"/>
+              </a:ext>
+            </a:extLst>
+          </p:cNvPr>
+          <p:cNvSpPr txBox="1"/>
+          <p:nvPr/>
+        </p:nvSpPr>
+        <p:spPr>
+          <a:xfrm>
+            <a:off x="3871645" y="5538548"/>
+            <a:ext cx="1002597" cy="338554"/>
+          </a:xfrm>
+          <a:prstGeom prst="rect">
+            <a:avLst/>
+          </a:prstGeom>
+          <a:noFill/>
+        </p:spPr>
+        <p:txBody>
+          <a:bodyPr wrap="square" rtlCol="0">
+            <a:spAutoFit/>
+          </a:bodyPr>
+          <a:lstStyle/>
+          <a:p>
+            <a:r>
+              <a:rPr lang="en-US" sz="1600" dirty="0"/>
+              <a:t>Broadcast</a:t>
+            </a:r>
+          </a:p>
+        </p:txBody>
+      </p:sp>
+      <p:grpSp>
+        <p:nvGrpSpPr>
+          <p:cNvPr id="10" name="Group 9">
+            <a:extLst>
+              <a:ext uri="{FF2B5EF4-FFF2-40B4-BE49-F238E27FC236}">
+                <a16:creationId xmlns:a16="http://schemas.microsoft.com/office/drawing/2014/main" id="{47385C89-D579-4BAD-86A3-65BC17171D22}"/>
+              </a:ext>
+            </a:extLst>
+          </p:cNvPr>
+          <p:cNvGrpSpPr/>
+          <p:nvPr/>
+        </p:nvGrpSpPr>
+        <p:grpSpPr>
+          <a:xfrm>
+            <a:off x="2163735" y="720129"/>
+            <a:ext cx="704088" cy="960346"/>
+            <a:chOff x="1504188" y="1270790"/>
+            <a:chExt cx="704088" cy="960346"/>
+          </a:xfrm>
+        </p:grpSpPr>
+        <p:sp>
+          <p:nvSpPr>
+            <p:cNvPr id="11" name="Rectangle: Rounded Corners 10">
+              <a:extLst>
+                <a:ext uri="{FF2B5EF4-FFF2-40B4-BE49-F238E27FC236}">
+                  <a16:creationId xmlns:a16="http://schemas.microsoft.com/office/drawing/2014/main" id="{84D019F2-22B8-4819-8EC4-97D9FC8F581D}"/>
+                </a:ext>
+              </a:extLst>
+            </p:cNvPr>
+            <p:cNvSpPr/>
+            <p:nvPr/>
+          </p:nvSpPr>
+          <p:spPr>
+            <a:xfrm>
+              <a:off x="1682496" y="1609344"/>
+              <a:ext cx="347472" cy="621792"/>
+            </a:xfrm>
+            <a:prstGeom prst="roundRect">
+              <a:avLst/>
+            </a:prstGeom>
+          </p:spPr>
+          <p:style>
+            <a:lnRef idx="1">
+              <a:schemeClr val="accent5"/>
+            </a:lnRef>
+            <a:fillRef idx="2">
+              <a:schemeClr val="accent5"/>
+            </a:fillRef>
+            <a:effectRef idx="1">
+              <a:schemeClr val="accent5"/>
+            </a:effectRef>
+            <a:fontRef idx="minor">
+              <a:schemeClr val="dk1"/>
+            </a:fontRef>
+          </p:style>
+          <p:txBody>
+            <a:bodyPr rtlCol="0" anchor="ctr"/>
+            <a:lstStyle/>
+            <a:p>
+              <a:pPr algn="ctr"/>
+              <a:endParaRPr lang="en-US" sz="1400" dirty="0"/>
+            </a:p>
+          </p:txBody>
+        </p:sp>
+        <p:sp>
+          <p:nvSpPr>
+            <p:cNvPr id="12" name="TextBox 11">
+              <a:extLst>
+                <a:ext uri="{FF2B5EF4-FFF2-40B4-BE49-F238E27FC236}">
+                  <a16:creationId xmlns:a16="http://schemas.microsoft.com/office/drawing/2014/main" id="{7D7BCF84-0A2A-4BA3-8C47-9E3CB4812881}"/>
+                </a:ext>
+              </a:extLst>
+            </p:cNvPr>
+            <p:cNvSpPr txBox="1"/>
+            <p:nvPr/>
+          </p:nvSpPr>
+          <p:spPr>
+            <a:xfrm>
+              <a:off x="1504188" y="1270790"/>
+              <a:ext cx="704088" cy="338554"/>
+            </a:xfrm>
+            <a:prstGeom prst="rect">
+              <a:avLst/>
+            </a:prstGeom>
+            <a:noFill/>
+          </p:spPr>
+          <p:txBody>
+            <a:bodyPr wrap="square" rtlCol="0">
+              <a:spAutoFit/>
+            </a:bodyPr>
+            <a:lstStyle/>
+            <a:p>
+              <a:r>
+                <a:rPr lang="en-US" sz="1600" dirty="0"/>
+                <a:t>Client</a:t>
+              </a:r>
+            </a:p>
+          </p:txBody>
+        </p:sp>
+      </p:grpSp>
+      <p:grpSp>
+        <p:nvGrpSpPr>
+          <p:cNvPr id="13" name="Group 12">
+            <a:extLst>
+              <a:ext uri="{FF2B5EF4-FFF2-40B4-BE49-F238E27FC236}">
+                <a16:creationId xmlns:a16="http://schemas.microsoft.com/office/drawing/2014/main" id="{91160748-0A25-4CA0-A8CE-4814411D6420}"/>
+              </a:ext>
+            </a:extLst>
+          </p:cNvPr>
+          <p:cNvGrpSpPr/>
+          <p:nvPr/>
+        </p:nvGrpSpPr>
+        <p:grpSpPr>
+          <a:xfrm>
+            <a:off x="4758346" y="559437"/>
+            <a:ext cx="830998" cy="1770803"/>
+            <a:chOff x="3176434" y="559437"/>
+            <a:chExt cx="830998" cy="1770803"/>
+          </a:xfrm>
+        </p:grpSpPr>
+        <p:sp>
+          <p:nvSpPr>
+            <p:cNvPr id="14" name="Rectangle: Single Corner Snipped 13">
+              <a:extLst>
+                <a:ext uri="{FF2B5EF4-FFF2-40B4-BE49-F238E27FC236}">
+                  <a16:creationId xmlns:a16="http://schemas.microsoft.com/office/drawing/2014/main" id="{A09DE408-D276-4C38-A6C6-ABA3503792BB}"/>
+                </a:ext>
+              </a:extLst>
+            </p:cNvPr>
+            <p:cNvSpPr/>
+            <p:nvPr/>
+          </p:nvSpPr>
+          <p:spPr>
+            <a:xfrm>
+              <a:off x="3176434" y="888447"/>
+              <a:ext cx="830998" cy="1441793"/>
+            </a:xfrm>
+            <a:prstGeom prst="snip1Rect">
+              <a:avLst/>
+            </a:prstGeom>
+          </p:spPr>
+          <p:style>
+            <a:lnRef idx="1">
+              <a:schemeClr val="accent6"/>
+            </a:lnRef>
+            <a:fillRef idx="2">
+              <a:schemeClr val="accent6"/>
+            </a:fillRef>
+            <a:effectRef idx="1">
+              <a:schemeClr val="accent6"/>
+            </a:effectRef>
+            <a:fontRef idx="minor">
+              <a:schemeClr val="dk1"/>
+            </a:fontRef>
+          </p:style>
+          <p:txBody>
+            <a:bodyPr rtlCol="0" anchor="ctr"/>
+            <a:lstStyle/>
+            <a:p>
+              <a:pPr algn="ctr"/>
+              <a:endParaRPr lang="en-US" dirty="0"/>
+            </a:p>
+          </p:txBody>
+        </p:sp>
+        <p:sp>
+          <p:nvSpPr>
+            <p:cNvPr id="15" name="TextBox 14">
+              <a:extLst>
+                <a:ext uri="{FF2B5EF4-FFF2-40B4-BE49-F238E27FC236}">
+                  <a16:creationId xmlns:a16="http://schemas.microsoft.com/office/drawing/2014/main" id="{40D74125-2241-44AF-87B9-2211054567D2}"/>
+                </a:ext>
+              </a:extLst>
+            </p:cNvPr>
+            <p:cNvSpPr txBox="1"/>
+            <p:nvPr/>
+          </p:nvSpPr>
+          <p:spPr>
+            <a:xfrm>
+              <a:off x="3231128" y="559437"/>
+              <a:ext cx="721608" cy="338554"/>
+            </a:xfrm>
+            <a:prstGeom prst="rect">
+              <a:avLst/>
+            </a:prstGeom>
+            <a:noFill/>
+          </p:spPr>
+          <p:txBody>
+            <a:bodyPr wrap="none" rtlCol="0">
+              <a:spAutoFit/>
+            </a:bodyPr>
+            <a:lstStyle/>
+            <a:p>
+              <a:r>
+                <a:rPr lang="en-US" sz="1600" dirty="0"/>
+                <a:t>Server</a:t>
+              </a:r>
+            </a:p>
+          </p:txBody>
+        </p:sp>
+      </p:grpSp>
+      <p:grpSp>
+        <p:nvGrpSpPr>
+          <p:cNvPr id="19" name="Group 18">
+            <a:extLst>
+              <a:ext uri="{FF2B5EF4-FFF2-40B4-BE49-F238E27FC236}">
+                <a16:creationId xmlns:a16="http://schemas.microsoft.com/office/drawing/2014/main" id="{8C9C7E92-51F6-42A2-BC29-244AD67767D4}"/>
+              </a:ext>
+            </a:extLst>
+          </p:cNvPr>
+          <p:cNvGrpSpPr/>
+          <p:nvPr/>
+        </p:nvGrpSpPr>
+        <p:grpSpPr>
+          <a:xfrm>
+            <a:off x="7258085" y="573139"/>
+            <a:ext cx="839653" cy="1757101"/>
+            <a:chOff x="7901323" y="1674841"/>
+            <a:chExt cx="839653" cy="1757101"/>
+          </a:xfrm>
+        </p:grpSpPr>
+        <p:sp>
+          <p:nvSpPr>
+            <p:cNvPr id="16" name="Rectangle: Single Corner Snipped 15">
+              <a:extLst>
+                <a:ext uri="{FF2B5EF4-FFF2-40B4-BE49-F238E27FC236}">
+                  <a16:creationId xmlns:a16="http://schemas.microsoft.com/office/drawing/2014/main" id="{6BF77C75-520A-42D1-9DCF-82DDC2B24ACD}"/>
+                </a:ext>
+              </a:extLst>
+            </p:cNvPr>
+            <p:cNvSpPr/>
+            <p:nvPr/>
+          </p:nvSpPr>
+          <p:spPr>
+            <a:xfrm>
+              <a:off x="7909978" y="1990149"/>
+              <a:ext cx="830998" cy="1441793"/>
+            </a:xfrm>
+            <a:prstGeom prst="snip1Rect">
+              <a:avLst/>
+            </a:prstGeom>
+          </p:spPr>
+          <p:style>
+            <a:lnRef idx="1">
+              <a:schemeClr val="accent6"/>
+            </a:lnRef>
+            <a:fillRef idx="2">
+              <a:schemeClr val="accent6"/>
+            </a:fillRef>
+            <a:effectRef idx="1">
+              <a:schemeClr val="accent6"/>
+            </a:effectRef>
+            <a:fontRef idx="minor">
+              <a:schemeClr val="dk1"/>
+            </a:fontRef>
+          </p:style>
+          <p:txBody>
+            <a:bodyPr rtlCol="0" anchor="ctr"/>
+            <a:lstStyle/>
+            <a:p>
+              <a:pPr algn="ctr"/>
+              <a:endParaRPr lang="en-US" dirty="0"/>
+            </a:p>
+          </p:txBody>
+        </p:sp>
+        <p:sp>
+          <p:nvSpPr>
+            <p:cNvPr id="18" name="TextBox 17">
+              <a:extLst>
+                <a:ext uri="{FF2B5EF4-FFF2-40B4-BE49-F238E27FC236}">
+                  <a16:creationId xmlns:a16="http://schemas.microsoft.com/office/drawing/2014/main" id="{609C09A7-6B0B-402A-8525-266B8493D2FC}"/>
+                </a:ext>
+              </a:extLst>
+            </p:cNvPr>
+            <p:cNvSpPr txBox="1"/>
+            <p:nvPr/>
+          </p:nvSpPr>
+          <p:spPr>
+            <a:xfrm>
+              <a:off x="7901323" y="1674841"/>
+              <a:ext cx="834564" cy="338554"/>
+            </a:xfrm>
+            <a:prstGeom prst="rect">
+              <a:avLst/>
+            </a:prstGeom>
+            <a:noFill/>
+          </p:spPr>
+          <p:txBody>
+            <a:bodyPr wrap="square" rtlCol="0">
+              <a:spAutoFit/>
+            </a:bodyPr>
+            <a:lstStyle/>
+            <a:p>
+              <a:r>
+                <a:rPr lang="en-US" sz="1600" dirty="0"/>
+                <a:t>Leader</a:t>
+              </a:r>
+            </a:p>
+          </p:txBody>
+        </p:sp>
+      </p:grpSp>
+      <p:grpSp>
+        <p:nvGrpSpPr>
+          <p:cNvPr id="20" name="Group 19">
+            <a:extLst>
+              <a:ext uri="{FF2B5EF4-FFF2-40B4-BE49-F238E27FC236}">
+                <a16:creationId xmlns:a16="http://schemas.microsoft.com/office/drawing/2014/main" id="{F776D51A-636F-4DB0-99C8-98DF40A68775}"/>
+              </a:ext>
+            </a:extLst>
+          </p:cNvPr>
+          <p:cNvGrpSpPr/>
+          <p:nvPr/>
+        </p:nvGrpSpPr>
+        <p:grpSpPr>
+          <a:xfrm>
+            <a:off x="1958967" y="3206811"/>
+            <a:ext cx="1111265" cy="960346"/>
+            <a:chOff x="1300599" y="1270790"/>
+            <a:chExt cx="1111265" cy="960346"/>
+          </a:xfrm>
+        </p:grpSpPr>
+        <p:sp>
+          <p:nvSpPr>
+            <p:cNvPr id="21" name="Rectangle: Rounded Corners 20">
+              <a:extLst>
+                <a:ext uri="{FF2B5EF4-FFF2-40B4-BE49-F238E27FC236}">
+                  <a16:creationId xmlns:a16="http://schemas.microsoft.com/office/drawing/2014/main" id="{111FA18F-D25E-4DA8-9F5E-FBF4F2453C0B}"/>
+                </a:ext>
+              </a:extLst>
+            </p:cNvPr>
+            <p:cNvSpPr/>
+            <p:nvPr/>
+          </p:nvSpPr>
+          <p:spPr>
+            <a:xfrm>
+              <a:off x="1682496" y="1609344"/>
+              <a:ext cx="347472" cy="621792"/>
+            </a:xfrm>
+            <a:prstGeom prst="roundRect">
+              <a:avLst/>
+            </a:prstGeom>
+          </p:spPr>
+          <p:style>
+            <a:lnRef idx="1">
+              <a:schemeClr val="accent5"/>
+            </a:lnRef>
+            <a:fillRef idx="2">
+              <a:schemeClr val="accent5"/>
+            </a:fillRef>
+            <a:effectRef idx="1">
+              <a:schemeClr val="accent5"/>
+            </a:effectRef>
+            <a:fontRef idx="minor">
+              <a:schemeClr val="dk1"/>
+            </a:fontRef>
+          </p:style>
+          <p:txBody>
+            <a:bodyPr rtlCol="0" anchor="ctr"/>
+            <a:lstStyle/>
+            <a:p>
+              <a:pPr algn="ctr"/>
+              <a:endParaRPr lang="en-US" sz="1400" dirty="0"/>
+            </a:p>
+          </p:txBody>
+        </p:sp>
+        <p:sp>
+          <p:nvSpPr>
+            <p:cNvPr id="22" name="TextBox 21">
+              <a:extLst>
+                <a:ext uri="{FF2B5EF4-FFF2-40B4-BE49-F238E27FC236}">
+                  <a16:creationId xmlns:a16="http://schemas.microsoft.com/office/drawing/2014/main" id="{83DEDFB5-B9FE-415F-A19A-BF38972BB98F}"/>
+                </a:ext>
+              </a:extLst>
+            </p:cNvPr>
+            <p:cNvSpPr txBox="1"/>
+            <p:nvPr/>
+          </p:nvSpPr>
+          <p:spPr>
+            <a:xfrm>
+              <a:off x="1300599" y="1270790"/>
+              <a:ext cx="1111265" cy="338554"/>
+            </a:xfrm>
+            <a:prstGeom prst="rect">
+              <a:avLst/>
+            </a:prstGeom>
+            <a:noFill/>
+          </p:spPr>
+          <p:txBody>
+            <a:bodyPr wrap="square" rtlCol="0">
+              <a:spAutoFit/>
+            </a:bodyPr>
+            <a:lstStyle/>
+            <a:p>
+              <a:r>
+                <a:rPr lang="en-US" sz="1600" dirty="0"/>
+                <a:t>Idle Client</a:t>
+              </a:r>
+            </a:p>
+          </p:txBody>
+        </p:sp>
+      </p:grpSp>
+      <p:cxnSp>
+        <p:nvCxnSpPr>
+          <p:cNvPr id="23" name="Straight Arrow Connector 22">
+            <a:extLst>
+              <a:ext uri="{FF2B5EF4-FFF2-40B4-BE49-F238E27FC236}">
+                <a16:creationId xmlns:a16="http://schemas.microsoft.com/office/drawing/2014/main" id="{32FF566C-E092-403D-8755-391E45416555}"/>
+              </a:ext>
+            </a:extLst>
+          </p:cNvPr>
+          <p:cNvCxnSpPr>
+            <a:cxnSpLocks/>
+          </p:cNvCxnSpPr>
+          <p:nvPr/>
+        </p:nvCxnSpPr>
+        <p:spPr>
+          <a:xfrm>
+            <a:off x="2688336" y="3783108"/>
+            <a:ext cx="2070010" cy="0"/>
+          </a:xfrm>
+          <a:prstGeom prst="straightConnector1">
+            <a:avLst/>
+          </a:prstGeom>
+          <a:ln w="28575" cap="flat" cmpd="sng" algn="ctr">
+            <a:solidFill>
+              <a:srgbClr val="7030A0"/>
+            </a:solidFill>
+            <a:prstDash val="solid"/>
+            <a:round/>
+            <a:headEnd type="arrow" w="med" len="med"/>
+            <a:tailEnd type="none" w="med" len="med"/>
+          </a:ln>
+        </p:spPr>
+        <p:style>
+          <a:lnRef idx="0">
+            <a:scrgbClr r="0" g="0" b="0"/>
+          </a:lnRef>
+          <a:fillRef idx="0">
+            <a:scrgbClr r="0" g="0" b="0"/>
+          </a:fillRef>
+          <a:effectRef idx="0">
+            <a:scrgbClr r="0" g="0" b="0"/>
+          </a:effectRef>
+          <a:fontRef idx="minor">
+            <a:schemeClr val="tx1"/>
+          </a:fontRef>
+        </p:style>
+      </p:cxnSp>
+      <p:sp>
+        <p:nvSpPr>
+          <p:cNvPr id="24" name="TextBox 23">
+            <a:extLst>
+              <a:ext uri="{FF2B5EF4-FFF2-40B4-BE49-F238E27FC236}">
+                <a16:creationId xmlns:a16="http://schemas.microsoft.com/office/drawing/2014/main" id="{BB72D54D-61FA-45BA-90F7-9A251C734263}"/>
+              </a:ext>
+            </a:extLst>
+          </p:cNvPr>
+          <p:cNvSpPr txBox="1"/>
+          <p:nvPr/>
+        </p:nvSpPr>
+        <p:spPr>
+          <a:xfrm>
+            <a:off x="2884912" y="3475331"/>
+            <a:ext cx="1499407" cy="307777"/>
+          </a:xfrm>
+          <a:prstGeom prst="rect">
+            <a:avLst/>
+          </a:prstGeom>
+          <a:noFill/>
+        </p:spPr>
+        <p:txBody>
+          <a:bodyPr wrap="square" rtlCol="0">
+            <a:spAutoFit/>
+          </a:bodyPr>
+          <a:lstStyle/>
+          <a:p>
+            <a:r>
+              <a:rPr lang="en-US" sz="1400" dirty="0"/>
+              <a:t>Push after Update</a:t>
+            </a:r>
+          </a:p>
+        </p:txBody>
+      </p:sp>
+      <p:sp>
+        <p:nvSpPr>
+          <p:cNvPr id="25" name="TextBox 24">
+            <a:extLst>
+              <a:ext uri="{FF2B5EF4-FFF2-40B4-BE49-F238E27FC236}">
+                <a16:creationId xmlns:a16="http://schemas.microsoft.com/office/drawing/2014/main" id="{24214902-90F2-4DE5-8F7E-5018392970A1}"/>
+              </a:ext>
+            </a:extLst>
+          </p:cNvPr>
+          <p:cNvSpPr txBox="1"/>
+          <p:nvPr/>
+        </p:nvSpPr>
+        <p:spPr>
+          <a:xfrm>
+            <a:off x="3053347" y="3789782"/>
+            <a:ext cx="1128291" cy="523220"/>
+          </a:xfrm>
+          <a:prstGeom prst="rect">
+            <a:avLst/>
+          </a:prstGeom>
+          <a:noFill/>
+        </p:spPr>
+        <p:txBody>
+          <a:bodyPr wrap="square" rtlCol="0">
+            <a:spAutoFit/>
+          </a:bodyPr>
+          <a:lstStyle/>
+          <a:p>
+            <a:r>
+              <a:rPr lang="en-US" sz="1400" dirty="0"/>
+              <a:t>(Success acts</a:t>
+            </a:r>
+          </a:p>
+          <a:p>
+            <a:r>
+              <a:rPr lang="en-US" sz="1400" dirty="0"/>
+              <a:t>as Life sign)</a:t>
+            </a:r>
+          </a:p>
+        </p:txBody>
+      </p:sp>
+      <p:grpSp>
+        <p:nvGrpSpPr>
+          <p:cNvPr id="26" name="Group 25">
+            <a:extLst>
+              <a:ext uri="{FF2B5EF4-FFF2-40B4-BE49-F238E27FC236}">
+                <a16:creationId xmlns:a16="http://schemas.microsoft.com/office/drawing/2014/main" id="{7AD05CFA-5CE1-456C-95C8-427CB90EF8FD}"/>
+              </a:ext>
+            </a:extLst>
+          </p:cNvPr>
+          <p:cNvGrpSpPr/>
+          <p:nvPr/>
+        </p:nvGrpSpPr>
+        <p:grpSpPr>
+          <a:xfrm>
+            <a:off x="4758345" y="2796810"/>
+            <a:ext cx="830998" cy="1780347"/>
+            <a:chOff x="3176433" y="2796810"/>
+            <a:chExt cx="830998" cy="1780347"/>
+          </a:xfrm>
+        </p:grpSpPr>
+        <p:sp>
+          <p:nvSpPr>
+            <p:cNvPr id="27" name="Rectangle: Single Corner Snipped 26">
+              <a:extLst>
+                <a:ext uri="{FF2B5EF4-FFF2-40B4-BE49-F238E27FC236}">
+                  <a16:creationId xmlns:a16="http://schemas.microsoft.com/office/drawing/2014/main" id="{5E1DD1B9-98A0-40B0-9B8C-506E993426BC}"/>
+                </a:ext>
+              </a:extLst>
+            </p:cNvPr>
+            <p:cNvSpPr/>
+            <p:nvPr/>
+          </p:nvSpPr>
+          <p:spPr>
+            <a:xfrm>
+              <a:off x="3176433" y="3135364"/>
+              <a:ext cx="830998" cy="1441793"/>
+            </a:xfrm>
+            <a:prstGeom prst="snip1Rect">
+              <a:avLst/>
+            </a:prstGeom>
+          </p:spPr>
+          <p:style>
+            <a:lnRef idx="1">
+              <a:schemeClr val="accent6"/>
+            </a:lnRef>
+            <a:fillRef idx="2">
+              <a:schemeClr val="accent6"/>
+            </a:fillRef>
+            <a:effectRef idx="1">
+              <a:schemeClr val="accent6"/>
+            </a:effectRef>
+            <a:fontRef idx="minor">
+              <a:schemeClr val="dk1"/>
+            </a:fontRef>
+          </p:style>
+          <p:txBody>
+            <a:bodyPr rtlCol="0" anchor="ctr"/>
+            <a:lstStyle/>
+            <a:p>
+              <a:pPr algn="ctr"/>
+              <a:endParaRPr lang="en-US"/>
+            </a:p>
+          </p:txBody>
+        </p:sp>
+        <p:sp>
+          <p:nvSpPr>
+            <p:cNvPr id="28" name="TextBox 27">
+              <a:extLst>
+                <a:ext uri="{FF2B5EF4-FFF2-40B4-BE49-F238E27FC236}">
+                  <a16:creationId xmlns:a16="http://schemas.microsoft.com/office/drawing/2014/main" id="{582B8670-A400-47A5-AC45-0DBD5ED8D31B}"/>
+                </a:ext>
+              </a:extLst>
+            </p:cNvPr>
+            <p:cNvSpPr txBox="1"/>
+            <p:nvPr/>
+          </p:nvSpPr>
+          <p:spPr>
+            <a:xfrm>
+              <a:off x="3231128" y="2796810"/>
+              <a:ext cx="721608" cy="338554"/>
+            </a:xfrm>
+            <a:prstGeom prst="rect">
+              <a:avLst/>
+            </a:prstGeom>
+            <a:noFill/>
+          </p:spPr>
+          <p:txBody>
+            <a:bodyPr wrap="none" rtlCol="0">
+              <a:spAutoFit/>
+            </a:bodyPr>
+            <a:lstStyle/>
+            <a:p>
+              <a:r>
+                <a:rPr lang="en-US" sz="1600" dirty="0"/>
+                <a:t>Server</a:t>
+              </a:r>
+            </a:p>
+          </p:txBody>
+        </p:sp>
+      </p:grpSp>
+      <p:cxnSp>
+        <p:nvCxnSpPr>
+          <p:cNvPr id="29" name="Straight Arrow Connector 28">
+            <a:extLst>
+              <a:ext uri="{FF2B5EF4-FFF2-40B4-BE49-F238E27FC236}">
+                <a16:creationId xmlns:a16="http://schemas.microsoft.com/office/drawing/2014/main" id="{56C30BFC-4BD2-4805-917F-BE17AA2353D6}"/>
+              </a:ext>
+            </a:extLst>
+          </p:cNvPr>
+          <p:cNvCxnSpPr>
+            <a:cxnSpLocks/>
+          </p:cNvCxnSpPr>
+          <p:nvPr/>
+        </p:nvCxnSpPr>
+        <p:spPr>
+          <a:xfrm>
+            <a:off x="2695409" y="1129171"/>
+            <a:ext cx="2062936" cy="0"/>
+          </a:xfrm>
+          <a:prstGeom prst="straightConnector1">
+            <a:avLst/>
+          </a:prstGeom>
+          <a:ln w="28575" cap="flat" cmpd="sng" algn="ctr">
+            <a:solidFill>
+              <a:srgbClr val="7030A0"/>
+            </a:solidFill>
+            <a:prstDash val="solid"/>
+            <a:round/>
+            <a:headEnd type="none" w="med" len="med"/>
+            <a:tailEnd type="arrow" w="med" len="med"/>
+          </a:ln>
+        </p:spPr>
+        <p:style>
+          <a:lnRef idx="0">
+            <a:scrgbClr r="0" g="0" b="0"/>
+          </a:lnRef>
+          <a:fillRef idx="0">
+            <a:scrgbClr r="0" g="0" b="0"/>
+          </a:fillRef>
+          <a:effectRef idx="0">
+            <a:scrgbClr r="0" g="0" b="0"/>
+          </a:effectRef>
+          <a:fontRef idx="minor">
+            <a:schemeClr val="tx1"/>
+          </a:fontRef>
+        </p:style>
+      </p:cxnSp>
+      <p:sp>
+        <p:nvSpPr>
+          <p:cNvPr id="30" name="TextBox 29">
+            <a:extLst>
+              <a:ext uri="{FF2B5EF4-FFF2-40B4-BE49-F238E27FC236}">
+                <a16:creationId xmlns:a16="http://schemas.microsoft.com/office/drawing/2014/main" id="{D4183DF6-AE8B-415B-8E23-7C0623F6E74A}"/>
+              </a:ext>
+            </a:extLst>
+          </p:cNvPr>
+          <p:cNvSpPr txBox="1"/>
+          <p:nvPr/>
+        </p:nvSpPr>
+        <p:spPr>
+          <a:xfrm>
+            <a:off x="3188430" y="619287"/>
+            <a:ext cx="830997" cy="523220"/>
+          </a:xfrm>
+          <a:prstGeom prst="rect">
+            <a:avLst/>
+          </a:prstGeom>
+          <a:noFill/>
+        </p:spPr>
+        <p:txBody>
+          <a:bodyPr wrap="square" rtlCol="0">
+            <a:spAutoFit/>
+          </a:bodyPr>
+          <a:lstStyle/>
+          <a:p>
+            <a:r>
+              <a:rPr lang="en-US" sz="1400" dirty="0"/>
+              <a:t>Entry Request</a:t>
+            </a:r>
+          </a:p>
+        </p:txBody>
+      </p:sp>
+      <p:cxnSp>
+        <p:nvCxnSpPr>
+          <p:cNvPr id="31" name="Straight Arrow Connector 30">
+            <a:extLst>
+              <a:ext uri="{FF2B5EF4-FFF2-40B4-BE49-F238E27FC236}">
+                <a16:creationId xmlns:a16="http://schemas.microsoft.com/office/drawing/2014/main" id="{EC937091-28DC-455E-B97B-43802E9DFF98}"/>
+              </a:ext>
+            </a:extLst>
+          </p:cNvPr>
+          <p:cNvCxnSpPr>
+            <a:cxnSpLocks/>
+          </p:cNvCxnSpPr>
+          <p:nvPr/>
+        </p:nvCxnSpPr>
+        <p:spPr>
+          <a:xfrm flipH="1" flipV="1">
+            <a:off x="2688336" y="1436948"/>
+            <a:ext cx="2070010" cy="1"/>
+          </a:xfrm>
+          <a:prstGeom prst="straightConnector1">
+            <a:avLst/>
+          </a:prstGeom>
+          <a:ln w="28575">
+            <a:solidFill>
+              <a:srgbClr val="7030A0"/>
+            </a:solidFill>
+            <a:prstDash val="solid"/>
+            <a:tailEnd type="triangle"/>
+          </a:ln>
+        </p:spPr>
+        <p:style>
+          <a:lnRef idx="1">
+            <a:schemeClr val="accent1"/>
+          </a:lnRef>
+          <a:fillRef idx="0">
+            <a:schemeClr val="accent1"/>
+          </a:fillRef>
+          <a:effectRef idx="0">
+            <a:schemeClr val="accent1"/>
+          </a:effectRef>
+          <a:fontRef idx="minor">
+            <a:schemeClr val="tx1"/>
+          </a:fontRef>
+        </p:style>
+      </p:cxnSp>
+      <p:sp>
+        <p:nvSpPr>
+          <p:cNvPr id="32" name="TextBox 31">
+            <a:extLst>
+              <a:ext uri="{FF2B5EF4-FFF2-40B4-BE49-F238E27FC236}">
+                <a16:creationId xmlns:a16="http://schemas.microsoft.com/office/drawing/2014/main" id="{49204640-D1A3-48FD-B55B-98EBFB5D5D0C}"/>
+              </a:ext>
+            </a:extLst>
+          </p:cNvPr>
+          <p:cNvSpPr txBox="1"/>
+          <p:nvPr/>
+        </p:nvSpPr>
+        <p:spPr>
+          <a:xfrm>
+            <a:off x="3154430" y="1455454"/>
+            <a:ext cx="1111266" cy="307777"/>
+          </a:xfrm>
+          <a:prstGeom prst="rect">
+            <a:avLst/>
+          </a:prstGeom>
+          <a:noFill/>
+        </p:spPr>
+        <p:txBody>
+          <a:bodyPr wrap="square" rtlCol="0">
+            <a:spAutoFit/>
+          </a:bodyPr>
+          <a:lstStyle/>
+          <a:p>
+            <a:r>
+              <a:rPr lang="en-US" sz="1400" dirty="0"/>
+              <a:t>Entry Accept</a:t>
+            </a:r>
+          </a:p>
+        </p:txBody>
+      </p:sp>
+      <p:grpSp>
+        <p:nvGrpSpPr>
+          <p:cNvPr id="33" name="Group 32">
+            <a:extLst>
+              <a:ext uri="{FF2B5EF4-FFF2-40B4-BE49-F238E27FC236}">
+                <a16:creationId xmlns:a16="http://schemas.microsoft.com/office/drawing/2014/main" id="{D7B87B0C-C964-4874-A32E-FA799615E9BB}"/>
+              </a:ext>
+            </a:extLst>
+          </p:cNvPr>
+          <p:cNvGrpSpPr/>
+          <p:nvPr/>
+        </p:nvGrpSpPr>
+        <p:grpSpPr>
+          <a:xfrm>
+            <a:off x="7122279" y="5489380"/>
+            <a:ext cx="1111265" cy="960346"/>
+            <a:chOff x="1300599" y="1609344"/>
+            <a:chExt cx="1111265" cy="960346"/>
+          </a:xfrm>
+        </p:grpSpPr>
+        <p:sp>
+          <p:nvSpPr>
+            <p:cNvPr id="34" name="Rectangle: Rounded Corners 33">
+              <a:extLst>
+                <a:ext uri="{FF2B5EF4-FFF2-40B4-BE49-F238E27FC236}">
+                  <a16:creationId xmlns:a16="http://schemas.microsoft.com/office/drawing/2014/main" id="{D875727C-AFE7-4AAA-A919-F8074D2B1951}"/>
+                </a:ext>
+              </a:extLst>
+            </p:cNvPr>
+            <p:cNvSpPr/>
+            <p:nvPr/>
+          </p:nvSpPr>
+          <p:spPr>
+            <a:xfrm>
+              <a:off x="1682496" y="1609344"/>
+              <a:ext cx="347472" cy="621792"/>
+            </a:xfrm>
+            <a:prstGeom prst="roundRect">
+              <a:avLst/>
+            </a:prstGeom>
+          </p:spPr>
+          <p:style>
+            <a:lnRef idx="1">
+              <a:schemeClr val="accent5"/>
+            </a:lnRef>
+            <a:fillRef idx="2">
+              <a:schemeClr val="accent5"/>
+            </a:fillRef>
+            <a:effectRef idx="1">
+              <a:schemeClr val="accent5"/>
+            </a:effectRef>
+            <a:fontRef idx="minor">
+              <a:schemeClr val="dk1"/>
+            </a:fontRef>
+          </p:style>
+          <p:txBody>
+            <a:bodyPr rtlCol="0" anchor="ctr"/>
+            <a:lstStyle/>
+            <a:p>
+              <a:pPr algn="ctr"/>
+              <a:endParaRPr lang="en-US" sz="1400" dirty="0"/>
+            </a:p>
+          </p:txBody>
+        </p:sp>
+        <p:sp>
+          <p:nvSpPr>
+            <p:cNvPr id="35" name="TextBox 34">
+              <a:extLst>
+                <a:ext uri="{FF2B5EF4-FFF2-40B4-BE49-F238E27FC236}">
+                  <a16:creationId xmlns:a16="http://schemas.microsoft.com/office/drawing/2014/main" id="{F181A3DF-B805-4A4C-BF41-934C103026DD}"/>
+                </a:ext>
+              </a:extLst>
+            </p:cNvPr>
+            <p:cNvSpPr txBox="1"/>
+            <p:nvPr/>
+          </p:nvSpPr>
+          <p:spPr>
+            <a:xfrm>
+              <a:off x="1300599" y="2231136"/>
+              <a:ext cx="1111265" cy="338554"/>
+            </a:xfrm>
+            <a:prstGeom prst="rect">
+              <a:avLst/>
+            </a:prstGeom>
+            <a:noFill/>
+          </p:spPr>
+          <p:txBody>
+            <a:bodyPr wrap="square" rtlCol="0">
+              <a:spAutoFit/>
+            </a:bodyPr>
+            <a:lstStyle/>
+            <a:p>
+              <a:r>
+                <a:rPr lang="en-US" sz="1600" dirty="0"/>
+                <a:t>New Client</a:t>
+              </a:r>
+            </a:p>
+          </p:txBody>
+        </p:sp>
+      </p:grpSp>
+      <p:cxnSp>
+        <p:nvCxnSpPr>
+          <p:cNvPr id="36" name="Straight Arrow Connector 35">
+            <a:extLst>
+              <a:ext uri="{FF2B5EF4-FFF2-40B4-BE49-F238E27FC236}">
+                <a16:creationId xmlns:a16="http://schemas.microsoft.com/office/drawing/2014/main" id="{9281738E-B4A7-45FD-B7B7-64FED9661C93}"/>
+              </a:ext>
+            </a:extLst>
+          </p:cNvPr>
+          <p:cNvCxnSpPr>
+            <a:cxnSpLocks/>
+          </p:cNvCxnSpPr>
+          <p:nvPr/>
+        </p:nvCxnSpPr>
+        <p:spPr>
+          <a:xfrm>
+            <a:off x="5589343" y="1274581"/>
+            <a:ext cx="813561" cy="0"/>
+          </a:xfrm>
+          <a:prstGeom prst="straightConnector1">
+            <a:avLst/>
+          </a:prstGeom>
+          <a:ln w="28575" cap="flat" cmpd="sng" algn="ctr">
+            <a:solidFill>
+              <a:srgbClr val="92D050"/>
+            </a:solidFill>
+            <a:prstDash val="solid"/>
+            <a:round/>
+            <a:headEnd type="none" w="med" len="med"/>
+            <a:tailEnd type="arrow" w="med" len="med"/>
+          </a:ln>
+        </p:spPr>
+        <p:style>
+          <a:lnRef idx="0">
+            <a:scrgbClr r="0" g="0" b="0"/>
+          </a:lnRef>
+          <a:fillRef idx="0">
+            <a:scrgbClr r="0" g="0" b="0"/>
+          </a:fillRef>
+          <a:effectRef idx="0">
+            <a:scrgbClr r="0" g="0" b="0"/>
+          </a:effectRef>
+          <a:fontRef idx="minor">
+            <a:schemeClr val="tx1"/>
+          </a:fontRef>
+        </p:style>
+      </p:cxnSp>
+      <p:sp>
+        <p:nvSpPr>
+          <p:cNvPr id="39" name="TextBox 38">
+            <a:extLst>
+              <a:ext uri="{FF2B5EF4-FFF2-40B4-BE49-F238E27FC236}">
+                <a16:creationId xmlns:a16="http://schemas.microsoft.com/office/drawing/2014/main" id="{869FDD2B-C25A-423D-886D-C6C7D07A9B11}"/>
+              </a:ext>
+            </a:extLst>
+          </p:cNvPr>
+          <p:cNvSpPr txBox="1"/>
+          <p:nvPr/>
+        </p:nvSpPr>
+        <p:spPr>
+          <a:xfrm>
+            <a:off x="5534648" y="963845"/>
+            <a:ext cx="511679" cy="307777"/>
+          </a:xfrm>
+          <a:prstGeom prst="rect">
+            <a:avLst/>
+          </a:prstGeom>
+          <a:noFill/>
+        </p:spPr>
+        <p:txBody>
+          <a:bodyPr wrap="none" rtlCol="0">
+            <a:spAutoFit/>
+          </a:bodyPr>
+          <a:lstStyle/>
+          <a:p>
+            <a:r>
+              <a:rPr lang="en-US" sz="1400" dirty="0"/>
+              <a:t>Lock</a:t>
+            </a:r>
+          </a:p>
+        </p:txBody>
+      </p:sp>
+      <p:sp>
+        <p:nvSpPr>
+          <p:cNvPr id="40" name="TextBox 39">
+            <a:extLst>
+              <a:ext uri="{FF2B5EF4-FFF2-40B4-BE49-F238E27FC236}">
+                <a16:creationId xmlns:a16="http://schemas.microsoft.com/office/drawing/2014/main" id="{E4E26C84-D7E9-4401-87AC-0496D8AE0566}"/>
+              </a:ext>
+            </a:extLst>
+          </p:cNvPr>
+          <p:cNvSpPr txBox="1"/>
+          <p:nvPr/>
+        </p:nvSpPr>
+        <p:spPr>
+          <a:xfrm>
+            <a:off x="5528754" y="1297765"/>
+            <a:ext cx="722890" cy="307777"/>
+          </a:xfrm>
+          <a:prstGeom prst="rect">
+            <a:avLst/>
+          </a:prstGeom>
+          <a:noFill/>
+        </p:spPr>
+        <p:txBody>
+          <a:bodyPr wrap="none" rtlCol="0">
+            <a:spAutoFit/>
+          </a:bodyPr>
+          <a:lstStyle/>
+          <a:p>
+            <a:r>
+              <a:rPr lang="en-US" sz="1400" dirty="0"/>
+              <a:t>Update</a:t>
+            </a:r>
+          </a:p>
+        </p:txBody>
+      </p:sp>
+      <p:sp>
+        <p:nvSpPr>
+          <p:cNvPr id="41" name="TextBox 40">
+            <a:extLst>
+              <a:ext uri="{FF2B5EF4-FFF2-40B4-BE49-F238E27FC236}">
+                <a16:creationId xmlns:a16="http://schemas.microsoft.com/office/drawing/2014/main" id="{7DDF10C8-AD40-4FE4-A51E-70963ECBAA0B}"/>
+              </a:ext>
+            </a:extLst>
+          </p:cNvPr>
+          <p:cNvSpPr txBox="1"/>
+          <p:nvPr/>
+        </p:nvSpPr>
+        <p:spPr>
+          <a:xfrm>
+            <a:off x="5541031" y="1626499"/>
+            <a:ext cx="688009" cy="307777"/>
+          </a:xfrm>
+          <a:prstGeom prst="rect">
+            <a:avLst/>
+          </a:prstGeom>
+          <a:noFill/>
+        </p:spPr>
+        <p:txBody>
+          <a:bodyPr wrap="none" rtlCol="0">
+            <a:spAutoFit/>
+          </a:bodyPr>
+          <a:lstStyle/>
+          <a:p>
+            <a:r>
+              <a:rPr lang="en-US" sz="1400" dirty="0"/>
+              <a:t>Unlock</a:t>
+            </a:r>
+          </a:p>
+        </p:txBody>
+      </p:sp>
+      <p:cxnSp>
+        <p:nvCxnSpPr>
+          <p:cNvPr id="43" name="Straight Arrow Connector 42">
+            <a:extLst>
+              <a:ext uri="{FF2B5EF4-FFF2-40B4-BE49-F238E27FC236}">
+                <a16:creationId xmlns:a16="http://schemas.microsoft.com/office/drawing/2014/main" id="{12FC95C2-DB75-4CDC-9363-8A47C7D33082}"/>
+              </a:ext>
+            </a:extLst>
+          </p:cNvPr>
+          <p:cNvCxnSpPr>
+            <a:cxnSpLocks/>
+          </p:cNvCxnSpPr>
+          <p:nvPr/>
+        </p:nvCxnSpPr>
+        <p:spPr>
+          <a:xfrm>
+            <a:off x="5586863" y="1605542"/>
+            <a:ext cx="813561" cy="0"/>
+          </a:xfrm>
+          <a:prstGeom prst="straightConnector1">
+            <a:avLst/>
+          </a:prstGeom>
+          <a:ln w="28575" cap="flat" cmpd="sng" algn="ctr">
+            <a:solidFill>
+              <a:srgbClr val="92D050"/>
+            </a:solidFill>
+            <a:prstDash val="solid"/>
+            <a:round/>
+            <a:headEnd type="none" w="med" len="med"/>
+            <a:tailEnd type="arrow" w="med" len="med"/>
+          </a:ln>
+        </p:spPr>
+        <p:style>
+          <a:lnRef idx="0">
+            <a:scrgbClr r="0" g="0" b="0"/>
+          </a:lnRef>
+          <a:fillRef idx="0">
+            <a:scrgbClr r="0" g="0" b="0"/>
+          </a:fillRef>
+          <a:effectRef idx="0">
+            <a:scrgbClr r="0" g="0" b="0"/>
+          </a:effectRef>
+          <a:fontRef idx="minor">
+            <a:schemeClr val="tx1"/>
+          </a:fontRef>
+        </p:style>
+      </p:cxnSp>
+      <p:cxnSp>
+        <p:nvCxnSpPr>
+          <p:cNvPr id="44" name="Straight Arrow Connector 43">
+            <a:extLst>
+              <a:ext uri="{FF2B5EF4-FFF2-40B4-BE49-F238E27FC236}">
+                <a16:creationId xmlns:a16="http://schemas.microsoft.com/office/drawing/2014/main" id="{2E2F77F0-FCC8-434D-8504-3D3BCC2C2C62}"/>
+              </a:ext>
+            </a:extLst>
+          </p:cNvPr>
+          <p:cNvCxnSpPr>
+            <a:cxnSpLocks/>
+          </p:cNvCxnSpPr>
+          <p:nvPr/>
+        </p:nvCxnSpPr>
+        <p:spPr>
+          <a:xfrm>
+            <a:off x="5586864" y="1919635"/>
+            <a:ext cx="813561" cy="0"/>
+          </a:xfrm>
+          <a:prstGeom prst="straightConnector1">
+            <a:avLst/>
+          </a:prstGeom>
+          <a:ln w="28575" cap="flat" cmpd="sng" algn="ctr">
+            <a:solidFill>
+              <a:srgbClr val="92D050"/>
+            </a:solidFill>
+            <a:prstDash val="solid"/>
+            <a:round/>
+            <a:headEnd type="none" w="med" len="med"/>
+            <a:tailEnd type="arrow" w="med" len="med"/>
+          </a:ln>
+        </p:spPr>
+        <p:style>
+          <a:lnRef idx="0">
+            <a:scrgbClr r="0" g="0" b="0"/>
+          </a:lnRef>
+          <a:fillRef idx="0">
+            <a:scrgbClr r="0" g="0" b="0"/>
+          </a:fillRef>
+          <a:effectRef idx="0">
+            <a:scrgbClr r="0" g="0" b="0"/>
+          </a:effectRef>
+          <a:fontRef idx="minor">
+            <a:schemeClr val="tx1"/>
+          </a:fontRef>
+        </p:style>
+      </p:cxnSp>
+      <p:sp>
+        <p:nvSpPr>
+          <p:cNvPr id="45" name="Rectangle 44">
+            <a:extLst>
+              <a:ext uri="{FF2B5EF4-FFF2-40B4-BE49-F238E27FC236}">
+                <a16:creationId xmlns:a16="http://schemas.microsoft.com/office/drawing/2014/main" id="{270C6C5D-352A-4C18-B6FF-FE2BE7FE76CC}"/>
+              </a:ext>
+            </a:extLst>
+          </p:cNvPr>
+          <p:cNvSpPr/>
+          <p:nvPr/>
+        </p:nvSpPr>
+        <p:spPr>
+          <a:xfrm>
+            <a:off x="4462272" y="570118"/>
+            <a:ext cx="3876307" cy="4175616"/>
+          </a:xfrm>
+          <a:prstGeom prst="rect">
+            <a:avLst/>
+          </a:prstGeom>
+          <a:noFill/>
+          <a:ln w="38100">
+            <a:solidFill>
+              <a:schemeClr val="accent6">
+                <a:lumMod val="60000"/>
+                <a:lumOff val="40000"/>
+              </a:schemeClr>
+            </a:solidFill>
+          </a:ln>
+        </p:spPr>
+        <p:style>
+          <a:lnRef idx="2">
+            <a:schemeClr val="accent1">
+              <a:shade val="50000"/>
+            </a:schemeClr>
+          </a:lnRef>
+          <a:fillRef idx="1">
+            <a:schemeClr val="accent1"/>
+          </a:fillRef>
+          <a:effectRef idx="0">
+            <a:schemeClr val="accent1"/>
+          </a:effectRef>
+          <a:fontRef idx="minor">
+            <a:schemeClr val="lt1"/>
+          </a:fontRef>
+        </p:style>
+        <p:txBody>
+          <a:bodyPr rtlCol="0" anchor="ctr"/>
+          <a:lstStyle/>
+          <a:p>
+            <a:pPr algn="ctr"/>
+            <a:endParaRPr lang="en-US"/>
+          </a:p>
+        </p:txBody>
+      </p:sp>
+      <p:sp>
+        <p:nvSpPr>
+          <p:cNvPr id="46" name="TextBox 45">
+            <a:extLst>
+              <a:ext uri="{FF2B5EF4-FFF2-40B4-BE49-F238E27FC236}">
+                <a16:creationId xmlns:a16="http://schemas.microsoft.com/office/drawing/2014/main" id="{C40A1C25-6ADE-441E-935E-8731E905F671}"/>
+              </a:ext>
+            </a:extLst>
+          </p:cNvPr>
+          <p:cNvSpPr txBox="1"/>
+          <p:nvPr/>
+        </p:nvSpPr>
+        <p:spPr>
+          <a:xfrm>
+            <a:off x="6912226" y="4392491"/>
+            <a:ext cx="1426353" cy="369332"/>
+          </a:xfrm>
+          <a:prstGeom prst="rect">
+            <a:avLst/>
+          </a:prstGeom>
+          <a:noFill/>
+        </p:spPr>
+        <p:txBody>
+          <a:bodyPr wrap="none" rtlCol="0">
+            <a:spAutoFit/>
+          </a:bodyPr>
+          <a:lstStyle/>
+          <a:p>
+            <a:r>
+              <a:rPr lang="en-US" dirty="0"/>
+              <a:t>Server Group</a:t>
+            </a:r>
+          </a:p>
+        </p:txBody>
+      </p:sp>
+      <p:sp>
+        <p:nvSpPr>
+          <p:cNvPr id="47" name="Rectangle 46">
+            <a:extLst>
+              <a:ext uri="{FF2B5EF4-FFF2-40B4-BE49-F238E27FC236}">
+                <a16:creationId xmlns:a16="http://schemas.microsoft.com/office/drawing/2014/main" id="{0C46C3F0-6562-4F36-AE84-06EC3DC17A1D}"/>
+              </a:ext>
+            </a:extLst>
+          </p:cNvPr>
+          <p:cNvSpPr/>
+          <p:nvPr/>
+        </p:nvSpPr>
+        <p:spPr>
+          <a:xfrm>
+            <a:off x="1958967" y="109728"/>
+            <a:ext cx="7788537" cy="4962841"/>
+          </a:xfrm>
+          <a:prstGeom prst="rect">
+            <a:avLst/>
+          </a:prstGeom>
+          <a:noFill/>
+          <a:ln w="38100">
+            <a:solidFill>
+              <a:schemeClr val="tx1"/>
+            </a:solidFill>
+          </a:ln>
+        </p:spPr>
+        <p:style>
+          <a:lnRef idx="2">
+            <a:schemeClr val="accent1">
+              <a:shade val="50000"/>
+            </a:schemeClr>
+          </a:lnRef>
+          <a:fillRef idx="1">
+            <a:schemeClr val="accent1"/>
+          </a:fillRef>
+          <a:effectRef idx="0">
+            <a:schemeClr val="accent1"/>
+          </a:effectRef>
+          <a:fontRef idx="minor">
+            <a:schemeClr val="lt1"/>
+          </a:fontRef>
+        </p:style>
+        <p:txBody>
+          <a:bodyPr rtlCol="0" anchor="ctr"/>
+          <a:lstStyle/>
+          <a:p>
+            <a:pPr algn="ctr"/>
+            <a:endParaRPr lang="en-US"/>
+          </a:p>
+        </p:txBody>
+      </p:sp>
+      <p:sp>
+        <p:nvSpPr>
+          <p:cNvPr id="48" name="TextBox 47">
+            <a:extLst>
+              <a:ext uri="{FF2B5EF4-FFF2-40B4-BE49-F238E27FC236}">
+                <a16:creationId xmlns:a16="http://schemas.microsoft.com/office/drawing/2014/main" id="{5F0E34FC-6DD9-43D4-85D8-83AA41E7FF0A}"/>
+              </a:ext>
+            </a:extLst>
+          </p:cNvPr>
+          <p:cNvSpPr txBox="1"/>
+          <p:nvPr/>
+        </p:nvSpPr>
+        <p:spPr>
+          <a:xfrm>
+            <a:off x="8896374" y="4703237"/>
+            <a:ext cx="851130" cy="369332"/>
+          </a:xfrm>
+          <a:prstGeom prst="rect">
+            <a:avLst/>
+          </a:prstGeom>
+          <a:noFill/>
+        </p:spPr>
+        <p:txBody>
+          <a:bodyPr wrap="none" rtlCol="0">
+            <a:spAutoFit/>
+          </a:bodyPr>
+          <a:lstStyle/>
+          <a:p>
+            <a:r>
+              <a:rPr lang="en-US" dirty="0"/>
+              <a:t>System</a:t>
+            </a:r>
+          </a:p>
+        </p:txBody>
+      </p:sp>
+      <p:cxnSp>
+        <p:nvCxnSpPr>
+          <p:cNvPr id="49" name="Straight Arrow Connector 48">
+            <a:extLst>
+              <a:ext uri="{FF2B5EF4-FFF2-40B4-BE49-F238E27FC236}">
+                <a16:creationId xmlns:a16="http://schemas.microsoft.com/office/drawing/2014/main" id="{868C7FA6-1CEE-4A0A-8256-37A6AB04CC91}"/>
+              </a:ext>
+            </a:extLst>
+          </p:cNvPr>
+          <p:cNvCxnSpPr>
+            <a:cxnSpLocks/>
+            <a:stCxn id="34" idx="0"/>
+          </p:cNvCxnSpPr>
+          <p:nvPr/>
+        </p:nvCxnSpPr>
+        <p:spPr>
+          <a:xfrm flipH="1" flipV="1">
+            <a:off x="7677911" y="5061042"/>
+            <a:ext cx="1" cy="428338"/>
+          </a:xfrm>
+          <a:prstGeom prst="straightConnector1">
+            <a:avLst/>
+          </a:prstGeom>
+          <a:ln w="28575" cap="flat" cmpd="sng" algn="ctr">
+            <a:solidFill>
+              <a:schemeClr val="accent2">
+                <a:lumMod val="75000"/>
+              </a:schemeClr>
+            </a:solidFill>
+            <a:prstDash val="solid"/>
+            <a:round/>
+            <a:headEnd type="none" w="med" len="med"/>
+            <a:tailEnd type="arrow" w="med" len="med"/>
+          </a:ln>
+        </p:spPr>
+        <p:style>
+          <a:lnRef idx="0">
+            <a:scrgbClr r="0" g="0" b="0"/>
+          </a:lnRef>
+          <a:fillRef idx="0">
+            <a:scrgbClr r="0" g="0" b="0"/>
+          </a:fillRef>
+          <a:effectRef idx="0">
+            <a:scrgbClr r="0" g="0" b="0"/>
+          </a:effectRef>
+          <a:fontRef idx="minor">
+            <a:schemeClr val="tx1"/>
+          </a:fontRef>
+        </p:style>
+      </p:cxnSp>
+      <p:sp>
+        <p:nvSpPr>
+          <p:cNvPr id="52" name="TextBox 51">
+            <a:extLst>
+              <a:ext uri="{FF2B5EF4-FFF2-40B4-BE49-F238E27FC236}">
+                <a16:creationId xmlns:a16="http://schemas.microsoft.com/office/drawing/2014/main" id="{DB04AFC3-CB68-475F-9441-4701D2110ADA}"/>
+              </a:ext>
+            </a:extLst>
+          </p:cNvPr>
+          <p:cNvSpPr txBox="1"/>
+          <p:nvPr/>
+        </p:nvSpPr>
+        <p:spPr>
+          <a:xfrm>
+            <a:off x="7654834" y="5132298"/>
+            <a:ext cx="1367490" cy="369332"/>
+          </a:xfrm>
+          <a:prstGeom prst="rect">
+            <a:avLst/>
+          </a:prstGeom>
+          <a:noFill/>
+        </p:spPr>
+        <p:txBody>
+          <a:bodyPr wrap="none" rtlCol="0">
+            <a:spAutoFit/>
+          </a:bodyPr>
+          <a:lstStyle/>
+          <a:p>
+            <a:r>
+              <a:rPr lang="en-US" dirty="0"/>
+              <a:t>Join Request</a:t>
+            </a:r>
+          </a:p>
+        </p:txBody>
+      </p:sp>
+      <p:cxnSp>
+        <p:nvCxnSpPr>
+          <p:cNvPr id="54" name="Straight Arrow Connector 53">
+            <a:extLst>
+              <a:ext uri="{FF2B5EF4-FFF2-40B4-BE49-F238E27FC236}">
+                <a16:creationId xmlns:a16="http://schemas.microsoft.com/office/drawing/2014/main" id="{FFF0BE05-487E-4971-96B8-034DF9389344}"/>
+              </a:ext>
+            </a:extLst>
+          </p:cNvPr>
+          <p:cNvCxnSpPr>
+            <a:cxnSpLocks/>
+          </p:cNvCxnSpPr>
+          <p:nvPr/>
+        </p:nvCxnSpPr>
+        <p:spPr>
+          <a:xfrm>
+            <a:off x="5589343" y="4167157"/>
+            <a:ext cx="1914832" cy="1322223"/>
+          </a:xfrm>
+          <a:prstGeom prst="straightConnector1">
+            <a:avLst/>
+          </a:prstGeom>
+          <a:ln w="28575" cap="flat" cmpd="sng" algn="ctr">
+            <a:solidFill>
+              <a:srgbClr val="7030A0"/>
+            </a:solidFill>
+            <a:prstDash val="solid"/>
+            <a:round/>
+            <a:headEnd type="none" w="med" len="med"/>
+            <a:tailEnd type="arrow" w="med" len="med"/>
+          </a:ln>
+        </p:spPr>
+        <p:style>
+          <a:lnRef idx="0">
+            <a:scrgbClr r="0" g="0" b="0"/>
+          </a:lnRef>
+          <a:fillRef idx="0">
+            <a:scrgbClr r="0" g="0" b="0"/>
+          </a:fillRef>
+          <a:effectRef idx="0">
+            <a:scrgbClr r="0" g="0" b="0"/>
+          </a:effectRef>
+          <a:fontRef idx="minor">
+            <a:schemeClr val="tx1"/>
+          </a:fontRef>
+        </p:style>
+      </p:cxnSp>
+      <p:cxnSp>
+        <p:nvCxnSpPr>
+          <p:cNvPr id="57" name="Straight Arrow Connector 56">
+            <a:extLst>
+              <a:ext uri="{FF2B5EF4-FFF2-40B4-BE49-F238E27FC236}">
+                <a16:creationId xmlns:a16="http://schemas.microsoft.com/office/drawing/2014/main" id="{D609B516-0FE3-4544-A7CE-28C56F04B92A}"/>
+              </a:ext>
+            </a:extLst>
+          </p:cNvPr>
+          <p:cNvCxnSpPr>
+            <a:cxnSpLocks/>
+          </p:cNvCxnSpPr>
+          <p:nvPr/>
+        </p:nvCxnSpPr>
+        <p:spPr>
+          <a:xfrm>
+            <a:off x="5327584" y="2330240"/>
+            <a:ext cx="1282817" cy="1608638"/>
+          </a:xfrm>
+          <a:prstGeom prst="straightConnector1">
+            <a:avLst/>
+          </a:prstGeom>
+          <a:ln w="28575" cap="flat" cmpd="sng" algn="ctr">
+            <a:solidFill>
+              <a:srgbClr val="7030A0"/>
+            </a:solidFill>
+            <a:prstDash val="solid"/>
+            <a:round/>
+            <a:headEnd type="none" w="med" len="med"/>
+            <a:tailEnd type="arrow" w="med" len="med"/>
+          </a:ln>
+        </p:spPr>
+        <p:style>
+          <a:lnRef idx="0">
+            <a:scrgbClr r="0" g="0" b="0"/>
+          </a:lnRef>
+          <a:fillRef idx="0">
+            <a:scrgbClr r="0" g="0" b="0"/>
+          </a:fillRef>
+          <a:effectRef idx="0">
+            <a:scrgbClr r="0" g="0" b="0"/>
+          </a:effectRef>
+          <a:fontRef idx="minor">
+            <a:schemeClr val="tx1"/>
+          </a:fontRef>
+        </p:style>
+      </p:cxnSp>
+      <p:cxnSp>
+        <p:nvCxnSpPr>
+          <p:cNvPr id="60" name="Straight Arrow Connector 59">
+            <a:extLst>
+              <a:ext uri="{FF2B5EF4-FFF2-40B4-BE49-F238E27FC236}">
+                <a16:creationId xmlns:a16="http://schemas.microsoft.com/office/drawing/2014/main" id="{19954DE7-51D5-46A4-BFBD-EE9BC988EC55}"/>
+              </a:ext>
+            </a:extLst>
+          </p:cNvPr>
+          <p:cNvCxnSpPr>
+            <a:cxnSpLocks/>
+            <a:stCxn id="16" idx="1"/>
+          </p:cNvCxnSpPr>
+          <p:nvPr/>
+        </p:nvCxnSpPr>
+        <p:spPr>
+          <a:xfrm flipH="1">
+            <a:off x="7677911" y="2330240"/>
+            <a:ext cx="4328" cy="1836917"/>
+          </a:xfrm>
+          <a:prstGeom prst="straightConnector1">
+            <a:avLst/>
+          </a:prstGeom>
+          <a:ln w="28575" cap="flat" cmpd="sng" algn="ctr">
+            <a:solidFill>
+              <a:srgbClr val="7030A0"/>
+            </a:solidFill>
+            <a:prstDash val="solid"/>
+            <a:round/>
+            <a:headEnd type="none" w="med" len="med"/>
+            <a:tailEnd type="arrow" w="med" len="med"/>
+          </a:ln>
+        </p:spPr>
+        <p:style>
+          <a:lnRef idx="0">
+            <a:scrgbClr r="0" g="0" b="0"/>
+          </a:lnRef>
+          <a:fillRef idx="0">
+            <a:scrgbClr r="0" g="0" b="0"/>
+          </a:fillRef>
+          <a:effectRef idx="0">
+            <a:scrgbClr r="0" g="0" b="0"/>
+          </a:effectRef>
+          <a:fontRef idx="minor">
+            <a:schemeClr val="tx1"/>
+          </a:fontRef>
+        </p:style>
+      </p:cxnSp>
+      <p:sp>
+        <p:nvSpPr>
+          <p:cNvPr id="64" name="TextBox 63">
+            <a:extLst>
+              <a:ext uri="{FF2B5EF4-FFF2-40B4-BE49-F238E27FC236}">
+                <a16:creationId xmlns:a16="http://schemas.microsoft.com/office/drawing/2014/main" id="{FBD74341-5C6B-4CFF-8D74-089A4FB2B2E0}"/>
+              </a:ext>
+            </a:extLst>
+          </p:cNvPr>
+          <p:cNvSpPr txBox="1"/>
+          <p:nvPr/>
+        </p:nvSpPr>
+        <p:spPr>
+          <a:xfrm>
+            <a:off x="5965829" y="4042286"/>
+            <a:ext cx="1021433" cy="523220"/>
+          </a:xfrm>
+          <a:prstGeom prst="rect">
+            <a:avLst/>
+          </a:prstGeom>
+          <a:noFill/>
+        </p:spPr>
+        <p:txBody>
+          <a:bodyPr wrap="square" rtlCol="0">
+            <a:spAutoFit/>
+          </a:bodyPr>
+          <a:lstStyle/>
+          <a:p>
+            <a:r>
+              <a:rPr lang="en-US" sz="1400" dirty="0"/>
+              <a:t>Establish</a:t>
+            </a:r>
+          </a:p>
+          <a:p>
+            <a:r>
+              <a:rPr lang="en-US" sz="1400" dirty="0"/>
+              <a:t>Connection</a:t>
+            </a:r>
+          </a:p>
+        </p:txBody>
+      </p:sp>
+      <p:cxnSp>
+        <p:nvCxnSpPr>
+          <p:cNvPr id="65" name="Straight Arrow Connector 64">
+            <a:extLst>
+              <a:ext uri="{FF2B5EF4-FFF2-40B4-BE49-F238E27FC236}">
+                <a16:creationId xmlns:a16="http://schemas.microsoft.com/office/drawing/2014/main" id="{7D5DE820-AB4A-42F5-8A46-06ACDCD402A6}"/>
+              </a:ext>
+            </a:extLst>
+          </p:cNvPr>
+          <p:cNvCxnSpPr>
+            <a:cxnSpLocks/>
+          </p:cNvCxnSpPr>
+          <p:nvPr/>
+        </p:nvCxnSpPr>
+        <p:spPr>
+          <a:xfrm flipV="1">
+            <a:off x="5541031" y="2333532"/>
+            <a:ext cx="1751469" cy="873279"/>
+          </a:xfrm>
+          <a:prstGeom prst="straightConnector1">
+            <a:avLst/>
+          </a:prstGeom>
+          <a:ln w="28575" cap="flat" cmpd="sng" algn="ctr">
+            <a:solidFill>
+              <a:srgbClr val="7030A0"/>
+            </a:solidFill>
+            <a:prstDash val="solid"/>
+            <a:round/>
+            <a:headEnd type="none" w="med" len="med"/>
+            <a:tailEnd type="arrow" w="med" len="med"/>
+          </a:ln>
+        </p:spPr>
+        <p:style>
+          <a:lnRef idx="0">
+            <a:scrgbClr r="0" g="0" b="0"/>
+          </a:lnRef>
+          <a:fillRef idx="0">
+            <a:scrgbClr r="0" g="0" b="0"/>
+          </a:fillRef>
+          <a:effectRef idx="0">
+            <a:scrgbClr r="0" g="0" b="0"/>
+          </a:effectRef>
+          <a:fontRef idx="minor">
+            <a:schemeClr val="tx1"/>
+          </a:fontRef>
+        </p:style>
+      </p:cxnSp>
+      <p:sp>
+        <p:nvSpPr>
+          <p:cNvPr id="68" name="TextBox 67">
+            <a:extLst>
+              <a:ext uri="{FF2B5EF4-FFF2-40B4-BE49-F238E27FC236}">
+                <a16:creationId xmlns:a16="http://schemas.microsoft.com/office/drawing/2014/main" id="{5A909AB2-78AA-46D1-957F-3D3537D30399}"/>
+              </a:ext>
+            </a:extLst>
+          </p:cNvPr>
+          <p:cNvSpPr txBox="1"/>
+          <p:nvPr/>
+        </p:nvSpPr>
+        <p:spPr>
+          <a:xfrm>
+            <a:off x="6107509" y="2266091"/>
+            <a:ext cx="926896" cy="307777"/>
+          </a:xfrm>
+          <a:prstGeom prst="rect">
+            <a:avLst/>
+          </a:prstGeom>
+          <a:noFill/>
+        </p:spPr>
+        <p:txBody>
+          <a:bodyPr wrap="square" rtlCol="0">
+            <a:spAutoFit/>
+          </a:bodyPr>
+          <a:lstStyle/>
+          <a:p>
+            <a:r>
+              <a:rPr lang="en-US" sz="1400" dirty="0"/>
+              <a:t>Heartbeat</a:t>
+            </a:r>
+          </a:p>
+        </p:txBody>
+      </p:sp>
+      <p:sp>
+        <p:nvSpPr>
+          <p:cNvPr id="74" name="Flowchart: Connector 73">
+            <a:extLst>
+              <a:ext uri="{FF2B5EF4-FFF2-40B4-BE49-F238E27FC236}">
+                <a16:creationId xmlns:a16="http://schemas.microsoft.com/office/drawing/2014/main" id="{65B3FB5B-FB6E-47C6-AD60-E5E192E6EFB2}"/>
+              </a:ext>
+            </a:extLst>
+          </p:cNvPr>
+          <p:cNvSpPr/>
+          <p:nvPr/>
+        </p:nvSpPr>
+        <p:spPr>
+          <a:xfrm>
+            <a:off x="10873340" y="2047228"/>
+            <a:ext cx="1088136" cy="1088136"/>
+          </a:xfrm>
+          <a:prstGeom prst="flowChartConnector">
+            <a:avLst/>
+          </a:prstGeom>
+          <a:gradFill flip="none" rotWithShape="1">
+            <a:gsLst>
+              <a:gs pos="0">
+                <a:srgbClr val="FF0000">
+                  <a:shade val="30000"/>
+                  <a:satMod val="115000"/>
+                </a:srgbClr>
+              </a:gs>
+              <a:gs pos="50000">
+                <a:srgbClr val="FF0000">
+                  <a:shade val="67500"/>
+                  <a:satMod val="115000"/>
+                </a:srgbClr>
+              </a:gs>
+              <a:gs pos="100000">
+                <a:srgbClr val="FF0000">
+                  <a:shade val="100000"/>
+                  <a:satMod val="115000"/>
+                </a:srgbClr>
+              </a:gs>
+            </a:gsLst>
+            <a:path path="circle">
+              <a:fillToRect l="50000" t="50000" r="50000" b="50000"/>
+            </a:path>
+            <a:tileRect/>
+          </a:gradFill>
+          <a:ln>
+            <a:noFill/>
+          </a:ln>
+        </p:spPr>
+        <p:style>
+          <a:lnRef idx="0">
+            <a:scrgbClr r="0" g="0" b="0"/>
+          </a:lnRef>
+          <a:fillRef idx="0">
+            <a:scrgbClr r="0" g="0" b="0"/>
+          </a:fillRef>
+          <a:effectRef idx="0">
+            <a:scrgbClr r="0" g="0" b="0"/>
+          </a:effectRef>
+          <a:fontRef idx="minor">
+            <a:schemeClr val="lt1"/>
+          </a:fontRef>
+        </p:style>
+        <p:txBody>
+          <a:bodyPr rtlCol="0" anchor="ctr"/>
+          <a:lstStyle/>
+          <a:p>
+            <a:pPr algn="ctr"/>
+            <a:endParaRPr lang="en-US"/>
+          </a:p>
+        </p:txBody>
+      </p:sp>
+      <p:cxnSp>
+        <p:nvCxnSpPr>
+          <p:cNvPr id="75" name="Straight Arrow Connector 74">
+            <a:extLst>
+              <a:ext uri="{FF2B5EF4-FFF2-40B4-BE49-F238E27FC236}">
+                <a16:creationId xmlns:a16="http://schemas.microsoft.com/office/drawing/2014/main" id="{C85A36CE-B28B-438B-90A1-D06380B5D3F9}"/>
+              </a:ext>
+            </a:extLst>
+          </p:cNvPr>
+          <p:cNvCxnSpPr>
+            <a:cxnSpLocks/>
+            <a:stCxn id="47" idx="3"/>
+            <a:endCxn id="74" idx="2"/>
+          </p:cNvCxnSpPr>
+          <p:nvPr/>
+        </p:nvCxnSpPr>
+        <p:spPr>
+          <a:xfrm>
+            <a:off x="9747504" y="2591149"/>
+            <a:ext cx="1125836" cy="147"/>
+          </a:xfrm>
+          <a:prstGeom prst="straightConnector1">
+            <a:avLst/>
+          </a:prstGeom>
+          <a:ln w="28575" cap="flat" cmpd="sng" algn="ctr">
+            <a:solidFill>
+              <a:schemeClr val="accent2">
+                <a:lumMod val="75000"/>
+              </a:schemeClr>
+            </a:solidFill>
+            <a:prstDash val="solid"/>
+            <a:round/>
+            <a:headEnd type="none" w="med" len="med"/>
+            <a:tailEnd type="arrow" w="med" len="med"/>
+          </a:ln>
+        </p:spPr>
+        <p:style>
+          <a:lnRef idx="0">
+            <a:scrgbClr r="0" g="0" b="0"/>
+          </a:lnRef>
+          <a:fillRef idx="0">
+            <a:scrgbClr r="0" g="0" b="0"/>
+          </a:fillRef>
+          <a:effectRef idx="0">
+            <a:scrgbClr r="0" g="0" b="0"/>
+          </a:effectRef>
+          <a:fontRef idx="minor">
+            <a:schemeClr val="tx1"/>
+          </a:fontRef>
+        </p:style>
+      </p:cxnSp>
+      <p:sp>
+        <p:nvSpPr>
+          <p:cNvPr id="81" name="TextBox 80">
+            <a:extLst>
+              <a:ext uri="{FF2B5EF4-FFF2-40B4-BE49-F238E27FC236}">
+                <a16:creationId xmlns:a16="http://schemas.microsoft.com/office/drawing/2014/main" id="{54841A77-F9CC-41E1-9B43-A7EFB9988D63}"/>
+              </a:ext>
+            </a:extLst>
+          </p:cNvPr>
+          <p:cNvSpPr txBox="1"/>
+          <p:nvPr/>
+        </p:nvSpPr>
+        <p:spPr>
+          <a:xfrm>
+            <a:off x="9735210" y="897991"/>
+            <a:ext cx="1207757" cy="1754326"/>
+          </a:xfrm>
+          <a:prstGeom prst="rect">
+            <a:avLst/>
+          </a:prstGeom>
+          <a:noFill/>
+        </p:spPr>
+        <p:txBody>
+          <a:bodyPr wrap="square" rtlCol="0">
+            <a:spAutoFit/>
+          </a:bodyPr>
+          <a:lstStyle/>
+          <a:p>
+            <a:r>
+              <a:rPr lang="en-US" dirty="0"/>
+              <a:t>For Demo:</a:t>
+            </a:r>
+          </a:p>
+          <a:p>
+            <a:r>
+              <a:rPr lang="en-US" dirty="0"/>
+              <a:t>Servers and Clients broadcast updates</a:t>
+            </a:r>
+          </a:p>
+        </p:txBody>
+      </p:sp>
+      <p:sp>
+        <p:nvSpPr>
+          <p:cNvPr id="82" name="TextBox 81">
+            <a:extLst>
+              <a:ext uri="{FF2B5EF4-FFF2-40B4-BE49-F238E27FC236}">
+                <a16:creationId xmlns:a16="http://schemas.microsoft.com/office/drawing/2014/main" id="{B83AF949-C0C9-489E-99BA-D1EC1B7B3DEB}"/>
+              </a:ext>
+            </a:extLst>
+          </p:cNvPr>
+          <p:cNvSpPr txBox="1"/>
+          <p:nvPr/>
+        </p:nvSpPr>
+        <p:spPr>
+          <a:xfrm>
+            <a:off x="10937314" y="3076306"/>
+            <a:ext cx="955069" cy="369332"/>
+          </a:xfrm>
+          <a:prstGeom prst="rect">
+            <a:avLst/>
+          </a:prstGeom>
+          <a:noFill/>
+        </p:spPr>
+        <p:txBody>
+          <a:bodyPr wrap="none" rtlCol="0">
+            <a:spAutoFit/>
+          </a:bodyPr>
+          <a:lstStyle/>
+          <a:p>
+            <a:pPr algn="ctr"/>
+            <a:r>
+              <a:rPr lang="en-US" dirty="0"/>
+              <a:t>Monitor</a:t>
+            </a:r>
+          </a:p>
+        </p:txBody>
+      </p:sp>
+      <p:cxnSp>
+        <p:nvCxnSpPr>
+          <p:cNvPr id="83" name="Straight Arrow Connector 82">
+            <a:extLst>
+              <a:ext uri="{FF2B5EF4-FFF2-40B4-BE49-F238E27FC236}">
+                <a16:creationId xmlns:a16="http://schemas.microsoft.com/office/drawing/2014/main" id="{CBBE6939-FD2D-4D16-AC1F-D5A3FEDDF51C}"/>
+              </a:ext>
+            </a:extLst>
+          </p:cNvPr>
+          <p:cNvCxnSpPr>
+            <a:cxnSpLocks/>
+          </p:cNvCxnSpPr>
+          <p:nvPr/>
+        </p:nvCxnSpPr>
+        <p:spPr>
+          <a:xfrm flipV="1">
+            <a:off x="5602426" y="2269824"/>
+            <a:ext cx="1664314" cy="60416"/>
+          </a:xfrm>
+          <a:prstGeom prst="straightConnector1">
+            <a:avLst/>
+          </a:prstGeom>
+          <a:ln w="28575" cap="flat" cmpd="sng" algn="ctr">
+            <a:solidFill>
+              <a:srgbClr val="7030A0"/>
+            </a:solidFill>
+            <a:prstDash val="solid"/>
+            <a:round/>
+            <a:headEnd type="none" w="med" len="med"/>
+            <a:tailEnd type="arrow" w="med" len="med"/>
+          </a:ln>
+        </p:spPr>
+        <p:style>
+          <a:lnRef idx="0">
+            <a:scrgbClr r="0" g="0" b="0"/>
+          </a:lnRef>
+          <a:fillRef idx="0">
+            <a:scrgbClr r="0" g="0" b="0"/>
+          </a:fillRef>
+          <a:effectRef idx="0">
+            <a:scrgbClr r="0" g="0" b="0"/>
+          </a:effectRef>
+          <a:fontRef idx="minor">
+            <a:schemeClr val="tx1"/>
+          </a:fontRef>
+        </p:style>
+      </p:cxnSp>
+      <p:sp>
+        <p:nvSpPr>
+          <p:cNvPr id="93" name="TextBox 92">
+            <a:extLst>
+              <a:ext uri="{FF2B5EF4-FFF2-40B4-BE49-F238E27FC236}">
+                <a16:creationId xmlns:a16="http://schemas.microsoft.com/office/drawing/2014/main" id="{3FCC4FA4-C173-48E9-962D-D15E17DC6F73}"/>
+              </a:ext>
+            </a:extLst>
+          </p:cNvPr>
+          <p:cNvSpPr txBox="1"/>
+          <p:nvPr/>
+        </p:nvSpPr>
+        <p:spPr>
+          <a:xfrm rot="5400000">
+            <a:off x="2360191" y="2148027"/>
+            <a:ext cx="609462" cy="830997"/>
+          </a:xfrm>
+          <a:prstGeom prst="rect">
+            <a:avLst/>
+          </a:prstGeom>
+          <a:noFill/>
+        </p:spPr>
+        <p:txBody>
+          <a:bodyPr wrap="square" rtlCol="0">
+            <a:spAutoFit/>
+          </a:bodyPr>
+          <a:lstStyle/>
+          <a:p>
+            <a:r>
+              <a:rPr lang="en-US" sz="4800" dirty="0"/>
+              <a:t>…</a:t>
+            </a:r>
+          </a:p>
+        </p:txBody>
+      </p:sp>
+      <p:sp>
+        <p:nvSpPr>
+          <p:cNvPr id="94" name="TextBox 93">
+            <a:extLst>
+              <a:ext uri="{FF2B5EF4-FFF2-40B4-BE49-F238E27FC236}">
+                <a16:creationId xmlns:a16="http://schemas.microsoft.com/office/drawing/2014/main" id="{CEEAA8BD-5F97-42EE-A517-3F58B3F09864}"/>
+              </a:ext>
+            </a:extLst>
+          </p:cNvPr>
+          <p:cNvSpPr txBox="1"/>
+          <p:nvPr/>
+        </p:nvSpPr>
+        <p:spPr>
+          <a:xfrm rot="5400000">
+            <a:off x="4988198" y="2182199"/>
+            <a:ext cx="609462" cy="830997"/>
+          </a:xfrm>
+          <a:prstGeom prst="rect">
+            <a:avLst/>
+          </a:prstGeom>
+          <a:noFill/>
+        </p:spPr>
+        <p:txBody>
+          <a:bodyPr wrap="square" rtlCol="0">
+            <a:spAutoFit/>
+          </a:bodyPr>
+          <a:lstStyle/>
+          <a:p>
+            <a:r>
+              <a:rPr lang="en-US" sz="4800" dirty="0"/>
+              <a:t>…</a:t>
+            </a:r>
+          </a:p>
+        </p:txBody>
+      </p:sp>
+      <p:sp>
+        <p:nvSpPr>
+          <p:cNvPr id="95" name="Rectangle: Rounded Corners 94">
+            <a:extLst>
+              <a:ext uri="{FF2B5EF4-FFF2-40B4-BE49-F238E27FC236}">
+                <a16:creationId xmlns:a16="http://schemas.microsoft.com/office/drawing/2014/main" id="{69D97375-115C-4CE1-9E88-444B0AE222F4}"/>
+              </a:ext>
+            </a:extLst>
+          </p:cNvPr>
+          <p:cNvSpPr/>
+          <p:nvPr/>
+        </p:nvSpPr>
+        <p:spPr>
+          <a:xfrm>
+            <a:off x="366092" y="1058683"/>
+            <a:ext cx="683714" cy="620538"/>
+          </a:xfrm>
+          <a:prstGeom prst="roundRect">
+            <a:avLst/>
+          </a:prstGeom>
+          <a:gradFill flip="none" rotWithShape="1">
+            <a:gsLst>
+              <a:gs pos="0">
+                <a:schemeClr val="accent2">
+                  <a:lumMod val="67000"/>
+                </a:schemeClr>
+              </a:gs>
+              <a:gs pos="48000">
+                <a:schemeClr val="accent2">
+                  <a:lumMod val="97000"/>
+                  <a:lumOff val="3000"/>
+                </a:schemeClr>
+              </a:gs>
+              <a:gs pos="100000">
+                <a:schemeClr val="accent2">
+                  <a:lumMod val="60000"/>
+                  <a:lumOff val="40000"/>
+                </a:schemeClr>
+              </a:gs>
+            </a:gsLst>
+            <a:lin ang="16200000" scaled="1"/>
+            <a:tileRect/>
+          </a:gradFill>
+          <a:ln>
+            <a:noFill/>
+          </a:ln>
+        </p:spPr>
+        <p:style>
+          <a:lnRef idx="0">
+            <a:scrgbClr r="0" g="0" b="0"/>
+          </a:lnRef>
+          <a:fillRef idx="0">
+            <a:scrgbClr r="0" g="0" b="0"/>
+          </a:fillRef>
+          <a:effectRef idx="0">
+            <a:scrgbClr r="0" g="0" b="0"/>
+          </a:effectRef>
+          <a:fontRef idx="minor">
+            <a:schemeClr val="lt1"/>
+          </a:fontRef>
+        </p:style>
+        <p:txBody>
+          <a:bodyPr rtlCol="0" anchor="ctr"/>
+          <a:lstStyle/>
+          <a:p>
+            <a:pPr algn="ctr"/>
+            <a:endParaRPr lang="en-US"/>
+          </a:p>
+        </p:txBody>
+      </p:sp>
+      <p:cxnSp>
+        <p:nvCxnSpPr>
+          <p:cNvPr id="97" name="Straight Arrow Connector 96">
+            <a:extLst>
+              <a:ext uri="{FF2B5EF4-FFF2-40B4-BE49-F238E27FC236}">
+                <a16:creationId xmlns:a16="http://schemas.microsoft.com/office/drawing/2014/main" id="{79896E7C-3DB5-451D-B647-8A4DC8EE53D2}"/>
+              </a:ext>
+            </a:extLst>
+          </p:cNvPr>
+          <p:cNvCxnSpPr>
+            <a:stCxn id="95" idx="3"/>
+            <a:endCxn id="11" idx="1"/>
+          </p:cNvCxnSpPr>
+          <p:nvPr/>
+        </p:nvCxnSpPr>
+        <p:spPr>
+          <a:xfrm>
+            <a:off x="1049806" y="1368952"/>
+            <a:ext cx="1292237" cy="627"/>
+          </a:xfrm>
+          <a:prstGeom prst="straightConnector1">
+            <a:avLst/>
+          </a:prstGeom>
+          <a:ln>
+            <a:tailEnd type="triangle"/>
+          </a:ln>
+        </p:spPr>
+        <p:style>
+          <a:lnRef idx="3">
+            <a:schemeClr val="dk1"/>
+          </a:lnRef>
+          <a:fillRef idx="0">
+            <a:schemeClr val="dk1"/>
+          </a:fillRef>
+          <a:effectRef idx="2">
+            <a:schemeClr val="dk1"/>
+          </a:effectRef>
+          <a:fontRef idx="minor">
+            <a:schemeClr val="tx1"/>
+          </a:fontRef>
+        </p:style>
+      </p:cxnSp>
+      <p:sp>
+        <p:nvSpPr>
+          <p:cNvPr id="99" name="TextBox 98">
+            <a:extLst>
+              <a:ext uri="{FF2B5EF4-FFF2-40B4-BE49-F238E27FC236}">
+                <a16:creationId xmlns:a16="http://schemas.microsoft.com/office/drawing/2014/main" id="{922084B6-31E0-4870-890C-340DF15497AF}"/>
+              </a:ext>
+            </a:extLst>
+          </p:cNvPr>
+          <p:cNvSpPr txBox="1"/>
+          <p:nvPr/>
+        </p:nvSpPr>
+        <p:spPr>
+          <a:xfrm>
+            <a:off x="329326" y="1692801"/>
+            <a:ext cx="750813" cy="1077218"/>
+          </a:xfrm>
+          <a:prstGeom prst="rect">
+            <a:avLst/>
+          </a:prstGeom>
+          <a:noFill/>
+        </p:spPr>
+        <p:txBody>
+          <a:bodyPr wrap="square" rtlCol="0">
+            <a:spAutoFit/>
+          </a:bodyPr>
+          <a:lstStyle/>
+          <a:p>
+            <a:r>
+              <a:rPr lang="en-US" sz="1600" dirty="0"/>
+              <a:t>Client GUI for Demo</a:t>
+            </a:r>
+          </a:p>
+        </p:txBody>
+      </p:sp>
+      <p:sp>
+        <p:nvSpPr>
+          <p:cNvPr id="101" name="TextBox 100">
+            <a:extLst>
+              <a:ext uri="{FF2B5EF4-FFF2-40B4-BE49-F238E27FC236}">
+                <a16:creationId xmlns:a16="http://schemas.microsoft.com/office/drawing/2014/main" id="{746196EC-CA70-48C7-84A2-422FE2D7DA8A}"/>
+              </a:ext>
+            </a:extLst>
+          </p:cNvPr>
+          <p:cNvSpPr txBox="1"/>
+          <p:nvPr/>
+        </p:nvSpPr>
+        <p:spPr>
+          <a:xfrm>
+            <a:off x="1034912" y="880214"/>
+            <a:ext cx="726481" cy="523220"/>
+          </a:xfrm>
+          <a:prstGeom prst="rect">
+            <a:avLst/>
+          </a:prstGeom>
+          <a:noFill/>
+        </p:spPr>
+        <p:txBody>
+          <a:bodyPr wrap="none" rtlCol="0">
+            <a:spAutoFit/>
+          </a:bodyPr>
+          <a:lstStyle/>
+          <a:p>
+            <a:r>
+              <a:rPr lang="en-US" sz="1400" dirty="0"/>
+              <a:t>Trigger</a:t>
+            </a:r>
+          </a:p>
+          <a:p>
+            <a:r>
+              <a:rPr lang="en-US" sz="1400" dirty="0"/>
+              <a:t>Actions</a:t>
+            </a:r>
+          </a:p>
+        </p:txBody>
+      </p:sp>
+    </p:spTree>
+    <p:extLst>
+      <p:ext uri="{BB962C8B-B14F-4D97-AF65-F5344CB8AC3E}">
+        <p14:creationId xmlns:p14="http://schemas.microsoft.com/office/powerpoint/2010/main" val="326851827"/>
       </p:ext>
     </p:extLst>
   </p:cSld>
